--- a/课程汇报.pptx
+++ b/课程汇报.pptx
@@ -1,34 +1,34 @@
 
 <file path=ppt/presentation.xml><?xml version="1.0" encoding="utf-8"?>
-<p:presentation xmlns:a="http://schemas.openxmlformats.org/drawingml/2006/main" xmlns:r="http://schemas.openxmlformats.org/officeDocument/2006/relationships" xmlns:p="http://schemas.openxmlformats.org/presentationml/2006/main" saveSubsetFonts="1">
+<p:presentation xmlns:a="http://schemas.openxmlformats.org/drawingml/2006/main" xmlns:r="http://schemas.openxmlformats.org/officeDocument/2006/relationships" xmlns:p="http://schemas.openxmlformats.org/presentationml/2006/main">
   <p:sldMasterIdLst>
     <p:sldMasterId id="2147483648" r:id="rId1"/>
   </p:sldMasterIdLst>
   <p:notesMasterIdLst>
-    <p:notesMasterId r:id="rId23"/>
+    <p:notesMasterId r:id="rId5"/>
   </p:notesMasterIdLst>
   <p:sldIdLst>
-    <p:sldId id="256" r:id="rId2"/>
-    <p:sldId id="7465" r:id="rId3"/>
-    <p:sldId id="7443" r:id="rId4"/>
-    <p:sldId id="323" r:id="rId5"/>
-    <p:sldId id="318" r:id="rId6"/>
-    <p:sldId id="7524" r:id="rId7"/>
-    <p:sldId id="280" r:id="rId8"/>
-    <p:sldId id="7525" r:id="rId9"/>
-    <p:sldId id="311" r:id="rId10"/>
-    <p:sldId id="7535" r:id="rId11"/>
-    <p:sldId id="7534" r:id="rId12"/>
-    <p:sldId id="7530" r:id="rId13"/>
-    <p:sldId id="7532" r:id="rId14"/>
-    <p:sldId id="7538" r:id="rId15"/>
-    <p:sldId id="7533" r:id="rId16"/>
-    <p:sldId id="7531" r:id="rId17"/>
-    <p:sldId id="7536" r:id="rId18"/>
-    <p:sldId id="7537" r:id="rId19"/>
-    <p:sldId id="7526" r:id="rId20"/>
-    <p:sldId id="7529" r:id="rId21"/>
-    <p:sldId id="7527" r:id="rId22"/>
+    <p:sldId id="256" r:id="rId3"/>
+    <p:sldId id="7465" r:id="rId4"/>
+    <p:sldId id="7443" r:id="rId6"/>
+    <p:sldId id="323" r:id="rId7"/>
+    <p:sldId id="318" r:id="rId8"/>
+    <p:sldId id="7524" r:id="rId9"/>
+    <p:sldId id="280" r:id="rId10"/>
+    <p:sldId id="7525" r:id="rId11"/>
+    <p:sldId id="311" r:id="rId12"/>
+    <p:sldId id="7535" r:id="rId13"/>
+    <p:sldId id="7534" r:id="rId14"/>
+    <p:sldId id="7530" r:id="rId15"/>
+    <p:sldId id="7532" r:id="rId16"/>
+    <p:sldId id="7538" r:id="rId17"/>
+    <p:sldId id="7533" r:id="rId18"/>
+    <p:sldId id="7531" r:id="rId19"/>
+    <p:sldId id="7536" r:id="rId20"/>
+    <p:sldId id="7537" r:id="rId21"/>
+    <p:sldId id="7526" r:id="rId22"/>
+    <p:sldId id="7529" r:id="rId23"/>
+    <p:sldId id="7527" r:id="rId24"/>
   </p:sldIdLst>
   <p:sldSz cx="12192000" cy="6858000"/>
   <p:notesSz cx="6858000" cy="9144000"/>
@@ -127,11 +127,6 @@
       </a:defRPr>
     </a:lvl9pPr>
   </p:defaultTextStyle>
-  <p:extLst>
-    <p:ext uri="{EFAFB233-063F-42B5-8137-9DF3F51BA10A}">
-      <p15:sldGuideLst xmlns:p15="http://schemas.microsoft.com/office/powerpoint/2012/main"/>
-    </p:ext>
-  </p:extLst>
 </p:presentation>
 </file>
 
@@ -217,7 +212,6 @@
           <a:p>
             <a:fld id="{E30D85BF-B191-48CA-9728-20FF71D3A776}" type="datetimeFigureOut">
               <a:rPr lang="zh-CN" altLang="en-US" smtClean="0"/>
-              <a:t>2019/1/29</a:t>
             </a:fld>
             <a:endParaRPr lang="zh-CN" altLang="en-US"/>
           </a:p>
@@ -284,6 +278,7 @@
               <a:rPr lang="zh-CN" altLang="en-US"/>
               <a:t>编辑母版文本样式</a:t>
             </a:r>
+            <a:endParaRPr lang="zh-CN" altLang="en-US"/>
           </a:p>
           <a:p>
             <a:pPr lvl="1"/>
@@ -291,6 +286,7 @@
               <a:rPr lang="zh-CN" altLang="en-US"/>
               <a:t>第二级</a:t>
             </a:r>
+            <a:endParaRPr lang="zh-CN" altLang="en-US"/>
           </a:p>
           <a:p>
             <a:pPr lvl="2"/>
@@ -298,6 +294,7 @@
               <a:rPr lang="zh-CN" altLang="en-US"/>
               <a:t>第三级</a:t>
             </a:r>
+            <a:endParaRPr lang="zh-CN" altLang="en-US"/>
           </a:p>
           <a:p>
             <a:pPr lvl="3"/>
@@ -305,6 +302,7 @@
               <a:rPr lang="zh-CN" altLang="en-US"/>
               <a:t>第四级</a:t>
             </a:r>
+            <a:endParaRPr lang="zh-CN" altLang="en-US"/>
           </a:p>
           <a:p>
             <a:pPr lvl="4"/>
@@ -312,6 +310,7 @@
               <a:rPr lang="zh-CN" altLang="en-US"/>
               <a:t>第五级</a:t>
             </a:r>
+            <a:endParaRPr lang="zh-CN" altLang="en-US"/>
           </a:p>
         </p:txBody>
       </p:sp>
@@ -375,18 +374,12 @@
           <a:p>
             <a:fld id="{91E1D6AA-A951-4B2E-B868-A2A70BA6CA3F}" type="slidenum">
               <a:rPr lang="zh-CN" altLang="en-US" smtClean="0"/>
-              <a:t>‹#›</a:t>
             </a:fld>
             <a:endParaRPr lang="zh-CN" altLang="en-US"/>
           </a:p>
         </p:txBody>
       </p:sp>
     </p:spTree>
-    <p:extLst>
-      <p:ext uri="{BB962C8B-B14F-4D97-AF65-F5344CB8AC3E}">
-        <p14:creationId xmlns:p14="http://schemas.microsoft.com/office/powerpoint/2010/main" val="878457835"/>
-      </p:ext>
-    </p:extLst>
   </p:cSld>
   <p:clrMap bg1="lt1" tx1="dk1" bg2="lt2" tx2="dk2" accent1="accent1" accent2="accent2" accent3="accent3" accent4="accent4" accent5="accent5" accent6="accent6" hlink="hlink" folHlink="folHlink"/>
   <p:notesStyle>
@@ -549,18 +542,12 @@
           <a:p>
             <a:fld id="{F1CB8912-F0BA-4AD8-8415-DA1F26BCB09F}" type="slidenum">
               <a:rPr lang="zh-CN" altLang="en-US" smtClean="0"/>
-              <a:t>2</a:t>
             </a:fld>
             <a:endParaRPr lang="zh-CN" altLang="en-US"/>
           </a:p>
         </p:txBody>
       </p:sp>
     </p:spTree>
-    <p:extLst>
-      <p:ext uri="{BB962C8B-B14F-4D97-AF65-F5344CB8AC3E}">
-        <p14:creationId xmlns:p14="http://schemas.microsoft.com/office/powerpoint/2010/main" val="3039016560"/>
-      </p:ext>
-    </p:extLst>
   </p:cSld>
   <p:clrMapOvr>
     <a:masterClrMapping/>
@@ -633,18 +620,12 @@
           <a:p>
             <a:fld id="{0C1358CC-A703-4029-B39F-0A33770C7D58}" type="slidenum">
               <a:rPr lang="zh-CN" altLang="en-US" smtClean="0"/>
-              <a:t>12</a:t>
             </a:fld>
             <a:endParaRPr lang="zh-CN" altLang="en-US"/>
           </a:p>
         </p:txBody>
       </p:sp>
     </p:spTree>
-    <p:extLst>
-      <p:ext uri="{BB962C8B-B14F-4D97-AF65-F5344CB8AC3E}">
-        <p14:creationId xmlns:p14="http://schemas.microsoft.com/office/powerpoint/2010/main" val="1977029728"/>
-      </p:ext>
-    </p:extLst>
   </p:cSld>
   <p:clrMapOvr>
     <a:masterClrMapping/>
@@ -717,18 +698,12 @@
           <a:p>
             <a:fld id="{0C1358CC-A703-4029-B39F-0A33770C7D58}" type="slidenum">
               <a:rPr lang="zh-CN" altLang="en-US" smtClean="0"/>
-              <a:t>13</a:t>
             </a:fld>
             <a:endParaRPr lang="zh-CN" altLang="en-US"/>
           </a:p>
         </p:txBody>
       </p:sp>
     </p:spTree>
-    <p:extLst>
-      <p:ext uri="{BB962C8B-B14F-4D97-AF65-F5344CB8AC3E}">
-        <p14:creationId xmlns:p14="http://schemas.microsoft.com/office/powerpoint/2010/main" val="2878271690"/>
-      </p:ext>
-    </p:extLst>
   </p:cSld>
   <p:clrMapOvr>
     <a:masterClrMapping/>
@@ -801,18 +776,12 @@
           <a:p>
             <a:fld id="{0C1358CC-A703-4029-B39F-0A33770C7D58}" type="slidenum">
               <a:rPr lang="zh-CN" altLang="en-US" smtClean="0"/>
-              <a:t>14</a:t>
             </a:fld>
             <a:endParaRPr lang="zh-CN" altLang="en-US"/>
           </a:p>
         </p:txBody>
       </p:sp>
     </p:spTree>
-    <p:extLst>
-      <p:ext uri="{BB962C8B-B14F-4D97-AF65-F5344CB8AC3E}">
-        <p14:creationId xmlns:p14="http://schemas.microsoft.com/office/powerpoint/2010/main" val="594504162"/>
-      </p:ext>
-    </p:extLst>
   </p:cSld>
   <p:clrMapOvr>
     <a:masterClrMapping/>
@@ -885,18 +854,12 @@
           <a:p>
             <a:fld id="{0C1358CC-A703-4029-B39F-0A33770C7D58}" type="slidenum">
               <a:rPr lang="zh-CN" altLang="en-US" smtClean="0"/>
-              <a:t>15</a:t>
             </a:fld>
             <a:endParaRPr lang="zh-CN" altLang="en-US"/>
           </a:p>
         </p:txBody>
       </p:sp>
     </p:spTree>
-    <p:extLst>
-      <p:ext uri="{BB962C8B-B14F-4D97-AF65-F5344CB8AC3E}">
-        <p14:creationId xmlns:p14="http://schemas.microsoft.com/office/powerpoint/2010/main" val="630338396"/>
-      </p:ext>
-    </p:extLst>
   </p:cSld>
   <p:clrMapOvr>
     <a:masterClrMapping/>
@@ -969,18 +932,12 @@
           <a:p>
             <a:fld id="{0C1358CC-A703-4029-B39F-0A33770C7D58}" type="slidenum">
               <a:rPr lang="zh-CN" altLang="en-US" smtClean="0"/>
-              <a:t>16</a:t>
             </a:fld>
             <a:endParaRPr lang="zh-CN" altLang="en-US"/>
           </a:p>
         </p:txBody>
       </p:sp>
     </p:spTree>
-    <p:extLst>
-      <p:ext uri="{BB962C8B-B14F-4D97-AF65-F5344CB8AC3E}">
-        <p14:creationId xmlns:p14="http://schemas.microsoft.com/office/powerpoint/2010/main" val="903664375"/>
-      </p:ext>
-    </p:extLst>
   </p:cSld>
   <p:clrMapOvr>
     <a:masterClrMapping/>
@@ -1053,18 +1010,12 @@
           <a:p>
             <a:fld id="{0C1358CC-A703-4029-B39F-0A33770C7D58}" type="slidenum">
               <a:rPr lang="zh-CN" altLang="en-US" smtClean="0"/>
-              <a:t>17</a:t>
             </a:fld>
             <a:endParaRPr lang="zh-CN" altLang="en-US"/>
           </a:p>
         </p:txBody>
       </p:sp>
     </p:spTree>
-    <p:extLst>
-      <p:ext uri="{BB962C8B-B14F-4D97-AF65-F5344CB8AC3E}">
-        <p14:creationId xmlns:p14="http://schemas.microsoft.com/office/powerpoint/2010/main" val="3367762887"/>
-      </p:ext>
-    </p:extLst>
   </p:cSld>
   <p:clrMapOvr>
     <a:masterClrMapping/>
@@ -1137,18 +1088,12 @@
           <a:p>
             <a:fld id="{0C1358CC-A703-4029-B39F-0A33770C7D58}" type="slidenum">
               <a:rPr lang="zh-CN" altLang="en-US" smtClean="0"/>
-              <a:t>18</a:t>
             </a:fld>
             <a:endParaRPr lang="zh-CN" altLang="en-US"/>
           </a:p>
         </p:txBody>
       </p:sp>
     </p:spTree>
-    <p:extLst>
-      <p:ext uri="{BB962C8B-B14F-4D97-AF65-F5344CB8AC3E}">
-        <p14:creationId xmlns:p14="http://schemas.microsoft.com/office/powerpoint/2010/main" val="1840011604"/>
-      </p:ext>
-    </p:extLst>
   </p:cSld>
   <p:clrMapOvr>
     <a:masterClrMapping/>
@@ -1221,19 +1166,12 @@
           <a:p>
             <a:fld id="{76E624F0-09E1-425A-A52F-CC4F476DA1EF}" type="slidenum">
               <a:rPr lang="zh-CN" altLang="en-US" smtClean="0"/>
-              <a:pPr/>
-              <a:t>19</a:t>
             </a:fld>
             <a:endParaRPr lang="zh-CN" altLang="en-US"/>
           </a:p>
         </p:txBody>
       </p:sp>
     </p:spTree>
-    <p:extLst>
-      <p:ext uri="{BB962C8B-B14F-4D97-AF65-F5344CB8AC3E}">
-        <p14:creationId xmlns:p14="http://schemas.microsoft.com/office/powerpoint/2010/main" val="3427177597"/>
-      </p:ext>
-    </p:extLst>
   </p:cSld>
   <p:clrMapOvr>
     <a:masterClrMapping/>
@@ -1306,18 +1244,12 @@
           <a:p>
             <a:fld id="{F1CB8912-F0BA-4AD8-8415-DA1F26BCB09F}" type="slidenum">
               <a:rPr lang="zh-CN" altLang="en-US" smtClean="0"/>
-              <a:t>20</a:t>
             </a:fld>
             <a:endParaRPr lang="zh-CN" altLang="en-US"/>
           </a:p>
         </p:txBody>
       </p:sp>
     </p:spTree>
-    <p:extLst>
-      <p:ext uri="{BB962C8B-B14F-4D97-AF65-F5344CB8AC3E}">
-        <p14:creationId xmlns:p14="http://schemas.microsoft.com/office/powerpoint/2010/main" val="1507406092"/>
-      </p:ext>
-    </p:extLst>
   </p:cSld>
   <p:clrMapOvr>
     <a:masterClrMapping/>
@@ -1390,19 +1322,12 @@
           <a:p>
             <a:fld id="{76E624F0-09E1-425A-A52F-CC4F476DA1EF}" type="slidenum">
               <a:rPr lang="zh-CN" altLang="en-US" smtClean="0"/>
-              <a:pPr/>
-              <a:t>3</a:t>
             </a:fld>
             <a:endParaRPr lang="zh-CN" altLang="en-US"/>
           </a:p>
         </p:txBody>
       </p:sp>
     </p:spTree>
-    <p:extLst>
-      <p:ext uri="{BB962C8B-B14F-4D97-AF65-F5344CB8AC3E}">
-        <p14:creationId xmlns:p14="http://schemas.microsoft.com/office/powerpoint/2010/main" val="1296883303"/>
-      </p:ext>
-    </p:extLst>
   </p:cSld>
   <p:clrMapOvr>
     <a:masterClrMapping/>
@@ -1475,18 +1400,12 @@
           <a:p>
             <a:fld id="{F1CB8912-F0BA-4AD8-8415-DA1F26BCB09F}" type="slidenum">
               <a:rPr lang="zh-CN" altLang="en-US" smtClean="0"/>
-              <a:t>4</a:t>
             </a:fld>
             <a:endParaRPr lang="zh-CN" altLang="en-US"/>
           </a:p>
         </p:txBody>
       </p:sp>
     </p:spTree>
-    <p:extLst>
-      <p:ext uri="{BB962C8B-B14F-4D97-AF65-F5344CB8AC3E}">
-        <p14:creationId xmlns:p14="http://schemas.microsoft.com/office/powerpoint/2010/main" val="3098007670"/>
-      </p:ext>
-    </p:extLst>
   </p:cSld>
   <p:clrMapOvr>
     <a:masterClrMapping/>
@@ -1559,18 +1478,12 @@
           <a:p>
             <a:fld id="{F1CB8912-F0BA-4AD8-8415-DA1F26BCB09F}" type="slidenum">
               <a:rPr lang="zh-CN" altLang="en-US" smtClean="0"/>
-              <a:t>5</a:t>
             </a:fld>
             <a:endParaRPr lang="zh-CN" altLang="en-US"/>
           </a:p>
         </p:txBody>
       </p:sp>
     </p:spTree>
-    <p:extLst>
-      <p:ext uri="{BB962C8B-B14F-4D97-AF65-F5344CB8AC3E}">
-        <p14:creationId xmlns:p14="http://schemas.microsoft.com/office/powerpoint/2010/main" val="2283453288"/>
-      </p:ext>
-    </p:extLst>
   </p:cSld>
   <p:clrMapOvr>
     <a:masterClrMapping/>
@@ -1643,19 +1556,12 @@
           <a:p>
             <a:fld id="{76E624F0-09E1-425A-A52F-CC4F476DA1EF}" type="slidenum">
               <a:rPr lang="zh-CN" altLang="en-US" smtClean="0"/>
-              <a:pPr/>
-              <a:t>6</a:t>
             </a:fld>
             <a:endParaRPr lang="zh-CN" altLang="en-US"/>
           </a:p>
         </p:txBody>
       </p:sp>
     </p:spTree>
-    <p:extLst>
-      <p:ext uri="{BB962C8B-B14F-4D97-AF65-F5344CB8AC3E}">
-        <p14:creationId xmlns:p14="http://schemas.microsoft.com/office/powerpoint/2010/main" val="453962259"/>
-      </p:ext>
-    </p:extLst>
   </p:cSld>
   <p:clrMapOvr>
     <a:masterClrMapping/>
@@ -1728,19 +1634,12 @@
           <a:p>
             <a:fld id="{76E624F0-09E1-425A-A52F-CC4F476DA1EF}" type="slidenum">
               <a:rPr lang="zh-CN" altLang="en-US" smtClean="0"/>
-              <a:pPr/>
-              <a:t>8</a:t>
             </a:fld>
             <a:endParaRPr lang="zh-CN" altLang="en-US"/>
           </a:p>
         </p:txBody>
       </p:sp>
     </p:spTree>
-    <p:extLst>
-      <p:ext uri="{BB962C8B-B14F-4D97-AF65-F5344CB8AC3E}">
-        <p14:creationId xmlns:p14="http://schemas.microsoft.com/office/powerpoint/2010/main" val="381739897"/>
-      </p:ext>
-    </p:extLst>
   </p:cSld>
   <p:clrMapOvr>
     <a:masterClrMapping/>
@@ -1813,18 +1712,12 @@
           <a:p>
             <a:fld id="{0C1358CC-A703-4029-B39F-0A33770C7D58}" type="slidenum">
               <a:rPr lang="zh-CN" altLang="en-US" smtClean="0"/>
-              <a:t>9</a:t>
             </a:fld>
             <a:endParaRPr lang="zh-CN" altLang="en-US"/>
           </a:p>
         </p:txBody>
       </p:sp>
     </p:spTree>
-    <p:extLst>
-      <p:ext uri="{BB962C8B-B14F-4D97-AF65-F5344CB8AC3E}">
-        <p14:creationId xmlns:p14="http://schemas.microsoft.com/office/powerpoint/2010/main" val="1548854911"/>
-      </p:ext>
-    </p:extLst>
   </p:cSld>
   <p:clrMapOvr>
     <a:masterClrMapping/>
@@ -1897,18 +1790,12 @@
           <a:p>
             <a:fld id="{0C1358CC-A703-4029-B39F-0A33770C7D58}" type="slidenum">
               <a:rPr lang="zh-CN" altLang="en-US" smtClean="0"/>
-              <a:t>10</a:t>
             </a:fld>
             <a:endParaRPr lang="zh-CN" altLang="en-US"/>
           </a:p>
         </p:txBody>
       </p:sp>
     </p:spTree>
-    <p:extLst>
-      <p:ext uri="{BB962C8B-B14F-4D97-AF65-F5344CB8AC3E}">
-        <p14:creationId xmlns:p14="http://schemas.microsoft.com/office/powerpoint/2010/main" val="469042395"/>
-      </p:ext>
-    </p:extLst>
   </p:cSld>
   <p:clrMapOvr>
     <a:masterClrMapping/>
@@ -1981,18 +1868,12 @@
           <a:p>
             <a:fld id="{0C1358CC-A703-4029-B39F-0A33770C7D58}" type="slidenum">
               <a:rPr lang="zh-CN" altLang="en-US" smtClean="0"/>
-              <a:t>11</a:t>
             </a:fld>
             <a:endParaRPr lang="zh-CN" altLang="en-US"/>
           </a:p>
         </p:txBody>
       </p:sp>
     </p:spTree>
-    <p:extLst>
-      <p:ext uri="{BB962C8B-B14F-4D97-AF65-F5344CB8AC3E}">
-        <p14:creationId xmlns:p14="http://schemas.microsoft.com/office/powerpoint/2010/main" val="1043751692"/>
-      </p:ext>
-    </p:extLst>
   </p:cSld>
   <p:clrMapOvr>
     <a:masterClrMapping/>
@@ -2038,13 +1919,7 @@
       </p:grpSpPr>
       <p:pic>
         <p:nvPicPr>
-          <p:cNvPr id="10" name="图片 9">
-            <a:extLst>
-              <a:ext uri="{FF2B5EF4-FFF2-40B4-BE49-F238E27FC236}">
-                <a16:creationId xmlns:a16="http://schemas.microsoft.com/office/drawing/2014/main" id="{693C8CFB-A8F2-4AD3-A55A-4B4B8BE3B25C}"/>
-              </a:ext>
-            </a:extLst>
-          </p:cNvPr>
+          <p:cNvPr id="10" name="图片 9"/>
           <p:cNvPicPr>
             <a:picLocks noChangeAspect="1"/>
           </p:cNvPicPr>
@@ -2059,7 +1934,9 @@
             </a:extLst>
           </a:blip>
           <a:srcRect r="44845"/>
-          <a:stretch/>
+          <a:stretch>
+            <a:fillRect/>
+          </a:stretch>
         </p:blipFill>
         <p:spPr>
           <a:xfrm>
@@ -2072,11 +1949,6 @@
         </p:spPr>
       </p:pic>
     </p:spTree>
-    <p:extLst>
-      <p:ext uri="{BB962C8B-B14F-4D97-AF65-F5344CB8AC3E}">
-        <p14:creationId xmlns:p14="http://schemas.microsoft.com/office/powerpoint/2010/main" val="365297036"/>
-      </p:ext>
-    </p:extLst>
   </p:cSld>
   <p:clrMapOvr>
     <a:masterClrMapping/>
@@ -2103,13 +1975,7 @@
       </p:grpSpPr>
       <p:sp>
         <p:nvSpPr>
-          <p:cNvPr id="2" name="标题 1">
-            <a:extLst>
-              <a:ext uri="{FF2B5EF4-FFF2-40B4-BE49-F238E27FC236}">
-                <a16:creationId xmlns:a16="http://schemas.microsoft.com/office/drawing/2014/main" id="{42235F54-7CA3-493F-847A-29983B8443D9}"/>
-              </a:ext>
-            </a:extLst>
-          </p:cNvPr>
+          <p:cNvPr id="2" name="标题 1"/>
           <p:cNvSpPr>
             <a:spLocks noGrp="1"/>
           </p:cNvSpPr>
@@ -2126,23 +1992,18 @@
               <a:rPr lang="zh-CN" altLang="en-US"/>
               <a:t>单击此处编辑母版标题样式</a:t>
             </a:r>
+            <a:endParaRPr lang="zh-CN" altLang="en-US"/>
           </a:p>
         </p:txBody>
       </p:sp>
       <p:sp>
         <p:nvSpPr>
-          <p:cNvPr id="3" name="竖排文字占位符 2">
-            <a:extLst>
-              <a:ext uri="{FF2B5EF4-FFF2-40B4-BE49-F238E27FC236}">
-                <a16:creationId xmlns:a16="http://schemas.microsoft.com/office/drawing/2014/main" id="{E57721D4-9FBF-4E6D-BF95-431EA476623A}"/>
-              </a:ext>
-            </a:extLst>
-          </p:cNvPr>
+          <p:cNvPr id="3" name="竖排文字占位符 2"/>
           <p:cNvSpPr>
             <a:spLocks noGrp="1"/>
           </p:cNvSpPr>
           <p:nvPr>
-            <p:ph type="body" orient="vert" idx="1"/>
+            <p:ph type="body" orient="vert" idx="1" hasCustomPrompt="1"/>
           </p:nvPr>
         </p:nvSpPr>
         <p:spPr/>
@@ -2155,6 +2016,7 @@
               <a:rPr lang="zh-CN" altLang="en-US"/>
               <a:t>编辑母版文本样式</a:t>
             </a:r>
+            <a:endParaRPr lang="zh-CN" altLang="en-US"/>
           </a:p>
           <a:p>
             <a:pPr lvl="1"/>
@@ -2162,6 +2024,7 @@
               <a:rPr lang="zh-CN" altLang="en-US"/>
               <a:t>第二级</a:t>
             </a:r>
+            <a:endParaRPr lang="zh-CN" altLang="en-US"/>
           </a:p>
           <a:p>
             <a:pPr lvl="2"/>
@@ -2169,6 +2032,7 @@
               <a:rPr lang="zh-CN" altLang="en-US"/>
               <a:t>第三级</a:t>
             </a:r>
+            <a:endParaRPr lang="zh-CN" altLang="en-US"/>
           </a:p>
           <a:p>
             <a:pPr lvl="3"/>
@@ -2176,6 +2040,7 @@
               <a:rPr lang="zh-CN" altLang="en-US"/>
               <a:t>第四级</a:t>
             </a:r>
+            <a:endParaRPr lang="zh-CN" altLang="en-US"/>
           </a:p>
           <a:p>
             <a:pPr lvl="4"/>
@@ -2183,18 +2048,13 @@
               <a:rPr lang="zh-CN" altLang="en-US"/>
               <a:t>第五级</a:t>
             </a:r>
+            <a:endParaRPr lang="zh-CN" altLang="en-US"/>
           </a:p>
         </p:txBody>
       </p:sp>
       <p:sp>
         <p:nvSpPr>
-          <p:cNvPr id="4" name="日期占位符 3">
-            <a:extLst>
-              <a:ext uri="{FF2B5EF4-FFF2-40B4-BE49-F238E27FC236}">
-                <a16:creationId xmlns:a16="http://schemas.microsoft.com/office/drawing/2014/main" id="{FECA267B-1289-440F-9CF1-DDD83C2F334E}"/>
-              </a:ext>
-            </a:extLst>
-          </p:cNvPr>
+          <p:cNvPr id="4" name="日期占位符 3"/>
           <p:cNvSpPr>
             <a:spLocks noGrp="1"/>
           </p:cNvSpPr>
@@ -2209,7 +2069,6 @@
           <a:p>
             <a:fld id="{CCA087C5-6DBF-488C-AE10-CBC1E42CD670}" type="datetimeFigureOut">
               <a:rPr lang="zh-CN" altLang="en-US" smtClean="0"/>
-              <a:t>2019/1/29</a:t>
             </a:fld>
             <a:endParaRPr lang="zh-CN" altLang="en-US"/>
           </a:p>
@@ -2217,13 +2076,7 @@
       </p:sp>
       <p:sp>
         <p:nvSpPr>
-          <p:cNvPr id="5" name="页脚占位符 4">
-            <a:extLst>
-              <a:ext uri="{FF2B5EF4-FFF2-40B4-BE49-F238E27FC236}">
-                <a16:creationId xmlns:a16="http://schemas.microsoft.com/office/drawing/2014/main" id="{29AF7012-861C-459B-B9E6-9CA6E05D7C17}"/>
-              </a:ext>
-            </a:extLst>
-          </p:cNvPr>
+          <p:cNvPr id="5" name="页脚占位符 4"/>
           <p:cNvSpPr>
             <a:spLocks noGrp="1"/>
           </p:cNvSpPr>
@@ -2242,13 +2095,7 @@
       </p:sp>
       <p:sp>
         <p:nvSpPr>
-          <p:cNvPr id="6" name="灯片编号占位符 5">
-            <a:extLst>
-              <a:ext uri="{FF2B5EF4-FFF2-40B4-BE49-F238E27FC236}">
-                <a16:creationId xmlns:a16="http://schemas.microsoft.com/office/drawing/2014/main" id="{D2451314-7407-47AF-ACBA-342FB6412B1E}"/>
-              </a:ext>
-            </a:extLst>
-          </p:cNvPr>
+          <p:cNvPr id="6" name="灯片编号占位符 5"/>
           <p:cNvSpPr>
             <a:spLocks noGrp="1"/>
           </p:cNvSpPr>
@@ -2263,18 +2110,12 @@
           <a:p>
             <a:fld id="{0367427E-6965-4C1F-9B96-9EAA198652BD}" type="slidenum">
               <a:rPr lang="zh-CN" altLang="en-US" smtClean="0"/>
-              <a:t>‹#›</a:t>
             </a:fld>
             <a:endParaRPr lang="zh-CN" altLang="en-US"/>
           </a:p>
         </p:txBody>
       </p:sp>
     </p:spTree>
-    <p:extLst>
-      <p:ext uri="{BB962C8B-B14F-4D97-AF65-F5344CB8AC3E}">
-        <p14:creationId xmlns:p14="http://schemas.microsoft.com/office/powerpoint/2010/main" val="2811426441"/>
-      </p:ext>
-    </p:extLst>
   </p:cSld>
   <p:clrMapOvr>
     <a:masterClrMapping/>
@@ -2301,13 +2142,7 @@
       </p:grpSpPr>
       <p:sp>
         <p:nvSpPr>
-          <p:cNvPr id="2" name="竖排标题 1">
-            <a:extLst>
-              <a:ext uri="{FF2B5EF4-FFF2-40B4-BE49-F238E27FC236}">
-                <a16:creationId xmlns:a16="http://schemas.microsoft.com/office/drawing/2014/main" id="{F649EF25-FBB9-4CC1-9FBD-59D2A9DF97E6}"/>
-              </a:ext>
-            </a:extLst>
-          </p:cNvPr>
+          <p:cNvPr id="2" name="竖排标题 1"/>
           <p:cNvSpPr>
             <a:spLocks noGrp="1"/>
           </p:cNvSpPr>
@@ -2329,23 +2164,18 @@
               <a:rPr lang="zh-CN" altLang="en-US"/>
               <a:t>单击此处编辑母版标题样式</a:t>
             </a:r>
+            <a:endParaRPr lang="zh-CN" altLang="en-US"/>
           </a:p>
         </p:txBody>
       </p:sp>
       <p:sp>
         <p:nvSpPr>
-          <p:cNvPr id="3" name="竖排文字占位符 2">
-            <a:extLst>
-              <a:ext uri="{FF2B5EF4-FFF2-40B4-BE49-F238E27FC236}">
-                <a16:creationId xmlns:a16="http://schemas.microsoft.com/office/drawing/2014/main" id="{67870104-20B7-4D69-87BF-AC1B1CBDC938}"/>
-              </a:ext>
-            </a:extLst>
-          </p:cNvPr>
+          <p:cNvPr id="3" name="竖排文字占位符 2"/>
           <p:cNvSpPr>
             <a:spLocks noGrp="1"/>
           </p:cNvSpPr>
           <p:nvPr>
-            <p:ph type="body" orient="vert" idx="1"/>
+            <p:ph type="body" orient="vert" idx="1" hasCustomPrompt="1"/>
           </p:nvPr>
         </p:nvSpPr>
         <p:spPr>
@@ -2363,6 +2193,7 @@
               <a:rPr lang="zh-CN" altLang="en-US"/>
               <a:t>编辑母版文本样式</a:t>
             </a:r>
+            <a:endParaRPr lang="zh-CN" altLang="en-US"/>
           </a:p>
           <a:p>
             <a:pPr lvl="1"/>
@@ -2370,6 +2201,7 @@
               <a:rPr lang="zh-CN" altLang="en-US"/>
               <a:t>第二级</a:t>
             </a:r>
+            <a:endParaRPr lang="zh-CN" altLang="en-US"/>
           </a:p>
           <a:p>
             <a:pPr lvl="2"/>
@@ -2377,6 +2209,7 @@
               <a:rPr lang="zh-CN" altLang="en-US"/>
               <a:t>第三级</a:t>
             </a:r>
+            <a:endParaRPr lang="zh-CN" altLang="en-US"/>
           </a:p>
           <a:p>
             <a:pPr lvl="3"/>
@@ -2384,6 +2217,7 @@
               <a:rPr lang="zh-CN" altLang="en-US"/>
               <a:t>第四级</a:t>
             </a:r>
+            <a:endParaRPr lang="zh-CN" altLang="en-US"/>
           </a:p>
           <a:p>
             <a:pPr lvl="4"/>
@@ -2391,18 +2225,13 @@
               <a:rPr lang="zh-CN" altLang="en-US"/>
               <a:t>第五级</a:t>
             </a:r>
+            <a:endParaRPr lang="zh-CN" altLang="en-US"/>
           </a:p>
         </p:txBody>
       </p:sp>
       <p:sp>
         <p:nvSpPr>
-          <p:cNvPr id="4" name="日期占位符 3">
-            <a:extLst>
-              <a:ext uri="{FF2B5EF4-FFF2-40B4-BE49-F238E27FC236}">
-                <a16:creationId xmlns:a16="http://schemas.microsoft.com/office/drawing/2014/main" id="{2D882186-1999-472E-B04D-0E20C07DD490}"/>
-              </a:ext>
-            </a:extLst>
-          </p:cNvPr>
+          <p:cNvPr id="4" name="日期占位符 3"/>
           <p:cNvSpPr>
             <a:spLocks noGrp="1"/>
           </p:cNvSpPr>
@@ -2417,7 +2246,6 @@
           <a:p>
             <a:fld id="{CCA087C5-6DBF-488C-AE10-CBC1E42CD670}" type="datetimeFigureOut">
               <a:rPr lang="zh-CN" altLang="en-US" smtClean="0"/>
-              <a:t>2019/1/29</a:t>
             </a:fld>
             <a:endParaRPr lang="zh-CN" altLang="en-US"/>
           </a:p>
@@ -2425,13 +2253,7 @@
       </p:sp>
       <p:sp>
         <p:nvSpPr>
-          <p:cNvPr id="5" name="页脚占位符 4">
-            <a:extLst>
-              <a:ext uri="{FF2B5EF4-FFF2-40B4-BE49-F238E27FC236}">
-                <a16:creationId xmlns:a16="http://schemas.microsoft.com/office/drawing/2014/main" id="{602B9731-3159-4750-B55F-1956A80E4590}"/>
-              </a:ext>
-            </a:extLst>
-          </p:cNvPr>
+          <p:cNvPr id="5" name="页脚占位符 4"/>
           <p:cNvSpPr>
             <a:spLocks noGrp="1"/>
           </p:cNvSpPr>
@@ -2450,13 +2272,7 @@
       </p:sp>
       <p:sp>
         <p:nvSpPr>
-          <p:cNvPr id="6" name="灯片编号占位符 5">
-            <a:extLst>
-              <a:ext uri="{FF2B5EF4-FFF2-40B4-BE49-F238E27FC236}">
-                <a16:creationId xmlns:a16="http://schemas.microsoft.com/office/drawing/2014/main" id="{5D4B2450-67FA-458B-8D73-5337BEB9928E}"/>
-              </a:ext>
-            </a:extLst>
-          </p:cNvPr>
+          <p:cNvPr id="6" name="灯片编号占位符 5"/>
           <p:cNvSpPr>
             <a:spLocks noGrp="1"/>
           </p:cNvSpPr>
@@ -2471,18 +2287,12 @@
           <a:p>
             <a:fld id="{0367427E-6965-4C1F-9B96-9EAA198652BD}" type="slidenum">
               <a:rPr lang="zh-CN" altLang="en-US" smtClean="0"/>
-              <a:t>‹#›</a:t>
             </a:fld>
             <a:endParaRPr lang="zh-CN" altLang="en-US"/>
           </a:p>
         </p:txBody>
       </p:sp>
     </p:spTree>
-    <p:extLst>
-      <p:ext uri="{BB962C8B-B14F-4D97-AF65-F5344CB8AC3E}">
-        <p14:creationId xmlns:p14="http://schemas.microsoft.com/office/powerpoint/2010/main" val="3870599121"/>
-      </p:ext>
-    </p:extLst>
   </p:cSld>
   <p:clrMapOvr>
     <a:masterClrMapping/>
@@ -2509,13 +2319,7 @@
       </p:grpSpPr>
       <p:sp>
         <p:nvSpPr>
-          <p:cNvPr id="2" name="标题 1">
-            <a:extLst>
-              <a:ext uri="{FF2B5EF4-FFF2-40B4-BE49-F238E27FC236}">
-                <a16:creationId xmlns:a16="http://schemas.microsoft.com/office/drawing/2014/main" id="{5C417FD1-86C7-4D6F-BB18-1BFAF31A9576}"/>
-              </a:ext>
-            </a:extLst>
-          </p:cNvPr>
+          <p:cNvPr id="2" name="标题 1"/>
           <p:cNvSpPr>
             <a:spLocks noGrp="1"/>
           </p:cNvSpPr>
@@ -2532,23 +2336,18 @@
               <a:rPr lang="zh-CN" altLang="en-US"/>
               <a:t>单击此处编辑母版标题样式</a:t>
             </a:r>
+            <a:endParaRPr lang="zh-CN" altLang="en-US"/>
           </a:p>
         </p:txBody>
       </p:sp>
       <p:sp>
         <p:nvSpPr>
-          <p:cNvPr id="3" name="内容占位符 2">
-            <a:extLst>
-              <a:ext uri="{FF2B5EF4-FFF2-40B4-BE49-F238E27FC236}">
-                <a16:creationId xmlns:a16="http://schemas.microsoft.com/office/drawing/2014/main" id="{55B418F4-6BEB-4323-85BE-6D9DAA1AC5CE}"/>
-              </a:ext>
-            </a:extLst>
-          </p:cNvPr>
+          <p:cNvPr id="3" name="内容占位符 2"/>
           <p:cNvSpPr>
             <a:spLocks noGrp="1"/>
           </p:cNvSpPr>
           <p:nvPr>
-            <p:ph idx="1"/>
+            <p:ph idx="1" hasCustomPrompt="1"/>
           </p:nvPr>
         </p:nvSpPr>
         <p:spPr/>
@@ -2561,6 +2360,7 @@
               <a:rPr lang="zh-CN" altLang="en-US"/>
               <a:t>编辑母版文本样式</a:t>
             </a:r>
+            <a:endParaRPr lang="zh-CN" altLang="en-US"/>
           </a:p>
           <a:p>
             <a:pPr lvl="1"/>
@@ -2568,6 +2368,7 @@
               <a:rPr lang="zh-CN" altLang="en-US"/>
               <a:t>第二级</a:t>
             </a:r>
+            <a:endParaRPr lang="zh-CN" altLang="en-US"/>
           </a:p>
           <a:p>
             <a:pPr lvl="2"/>
@@ -2575,6 +2376,7 @@
               <a:rPr lang="zh-CN" altLang="en-US"/>
               <a:t>第三级</a:t>
             </a:r>
+            <a:endParaRPr lang="zh-CN" altLang="en-US"/>
           </a:p>
           <a:p>
             <a:pPr lvl="3"/>
@@ -2582,6 +2384,7 @@
               <a:rPr lang="zh-CN" altLang="en-US"/>
               <a:t>第四级</a:t>
             </a:r>
+            <a:endParaRPr lang="zh-CN" altLang="en-US"/>
           </a:p>
           <a:p>
             <a:pPr lvl="4"/>
@@ -2589,18 +2392,13 @@
               <a:rPr lang="zh-CN" altLang="en-US"/>
               <a:t>第五级</a:t>
             </a:r>
+            <a:endParaRPr lang="zh-CN" altLang="en-US"/>
           </a:p>
         </p:txBody>
       </p:sp>
       <p:sp>
         <p:nvSpPr>
-          <p:cNvPr id="4" name="日期占位符 3">
-            <a:extLst>
-              <a:ext uri="{FF2B5EF4-FFF2-40B4-BE49-F238E27FC236}">
-                <a16:creationId xmlns:a16="http://schemas.microsoft.com/office/drawing/2014/main" id="{F2E0484F-A6D0-4D0A-A67F-9B60623ABD9B}"/>
-              </a:ext>
-            </a:extLst>
-          </p:cNvPr>
+          <p:cNvPr id="4" name="日期占位符 3"/>
           <p:cNvSpPr>
             <a:spLocks noGrp="1"/>
           </p:cNvSpPr>
@@ -2615,7 +2413,6 @@
           <a:p>
             <a:fld id="{CCA087C5-6DBF-488C-AE10-CBC1E42CD670}" type="datetimeFigureOut">
               <a:rPr lang="zh-CN" altLang="en-US" smtClean="0"/>
-              <a:t>2019/1/29</a:t>
             </a:fld>
             <a:endParaRPr lang="zh-CN" altLang="en-US"/>
           </a:p>
@@ -2623,13 +2420,7 @@
       </p:sp>
       <p:sp>
         <p:nvSpPr>
-          <p:cNvPr id="5" name="页脚占位符 4">
-            <a:extLst>
-              <a:ext uri="{FF2B5EF4-FFF2-40B4-BE49-F238E27FC236}">
-                <a16:creationId xmlns:a16="http://schemas.microsoft.com/office/drawing/2014/main" id="{B64B9663-8560-4E5B-9828-821FFA06E84C}"/>
-              </a:ext>
-            </a:extLst>
-          </p:cNvPr>
+          <p:cNvPr id="5" name="页脚占位符 4"/>
           <p:cNvSpPr>
             <a:spLocks noGrp="1"/>
           </p:cNvSpPr>
@@ -2648,13 +2439,7 @@
       </p:sp>
       <p:sp>
         <p:nvSpPr>
-          <p:cNvPr id="6" name="灯片编号占位符 5">
-            <a:extLst>
-              <a:ext uri="{FF2B5EF4-FFF2-40B4-BE49-F238E27FC236}">
-                <a16:creationId xmlns:a16="http://schemas.microsoft.com/office/drawing/2014/main" id="{9A783949-B2D7-40A0-9C56-070D7843D49C}"/>
-              </a:ext>
-            </a:extLst>
-          </p:cNvPr>
+          <p:cNvPr id="6" name="灯片编号占位符 5"/>
           <p:cNvSpPr>
             <a:spLocks noGrp="1"/>
           </p:cNvSpPr>
@@ -2669,18 +2454,12 @@
           <a:p>
             <a:fld id="{0367427E-6965-4C1F-9B96-9EAA198652BD}" type="slidenum">
               <a:rPr lang="zh-CN" altLang="en-US" smtClean="0"/>
-              <a:t>‹#›</a:t>
             </a:fld>
             <a:endParaRPr lang="zh-CN" altLang="en-US"/>
           </a:p>
         </p:txBody>
       </p:sp>
     </p:spTree>
-    <p:extLst>
-      <p:ext uri="{BB962C8B-B14F-4D97-AF65-F5344CB8AC3E}">
-        <p14:creationId xmlns:p14="http://schemas.microsoft.com/office/powerpoint/2010/main" val="222841368"/>
-      </p:ext>
-    </p:extLst>
   </p:cSld>
   <p:clrMapOvr>
     <a:masterClrMapping/>
@@ -2707,13 +2486,7 @@
       </p:grpSpPr>
       <p:sp>
         <p:nvSpPr>
-          <p:cNvPr id="2" name="标题 1">
-            <a:extLst>
-              <a:ext uri="{FF2B5EF4-FFF2-40B4-BE49-F238E27FC236}">
-                <a16:creationId xmlns:a16="http://schemas.microsoft.com/office/drawing/2014/main" id="{601EDC49-D274-42C0-B8C9-54E96E94E6DC}"/>
-              </a:ext>
-            </a:extLst>
-          </p:cNvPr>
+          <p:cNvPr id="2" name="标题 1"/>
           <p:cNvSpPr>
             <a:spLocks noGrp="1"/>
           </p:cNvSpPr>
@@ -2739,23 +2512,18 @@
               <a:rPr lang="zh-CN" altLang="en-US"/>
               <a:t>单击此处编辑母版标题样式</a:t>
             </a:r>
+            <a:endParaRPr lang="zh-CN" altLang="en-US"/>
           </a:p>
         </p:txBody>
       </p:sp>
       <p:sp>
         <p:nvSpPr>
-          <p:cNvPr id="3" name="文本占位符 2">
-            <a:extLst>
-              <a:ext uri="{FF2B5EF4-FFF2-40B4-BE49-F238E27FC236}">
-                <a16:creationId xmlns:a16="http://schemas.microsoft.com/office/drawing/2014/main" id="{AEFA3DB7-FAA9-461F-88CD-46EB421383F2}"/>
-              </a:ext>
-            </a:extLst>
-          </p:cNvPr>
+          <p:cNvPr id="3" name="文本占位符 2"/>
           <p:cNvSpPr>
             <a:spLocks noGrp="1"/>
           </p:cNvSpPr>
           <p:nvPr>
-            <p:ph type="body" idx="1"/>
+            <p:ph type="body" idx="1" hasCustomPrompt="1"/>
           </p:nvPr>
         </p:nvSpPr>
         <p:spPr>
@@ -2864,18 +2632,13 @@
               <a:rPr lang="zh-CN" altLang="en-US"/>
               <a:t>编辑母版文本样式</a:t>
             </a:r>
+            <a:endParaRPr lang="zh-CN" altLang="en-US"/>
           </a:p>
         </p:txBody>
       </p:sp>
       <p:sp>
         <p:nvSpPr>
-          <p:cNvPr id="4" name="日期占位符 3">
-            <a:extLst>
-              <a:ext uri="{FF2B5EF4-FFF2-40B4-BE49-F238E27FC236}">
-                <a16:creationId xmlns:a16="http://schemas.microsoft.com/office/drawing/2014/main" id="{6F0C8632-A864-4DE3-9016-1A1B27BD6237}"/>
-              </a:ext>
-            </a:extLst>
-          </p:cNvPr>
+          <p:cNvPr id="4" name="日期占位符 3"/>
           <p:cNvSpPr>
             <a:spLocks noGrp="1"/>
           </p:cNvSpPr>
@@ -2890,7 +2653,6 @@
           <a:p>
             <a:fld id="{CCA087C5-6DBF-488C-AE10-CBC1E42CD670}" type="datetimeFigureOut">
               <a:rPr lang="zh-CN" altLang="en-US" smtClean="0"/>
-              <a:t>2019/1/29</a:t>
             </a:fld>
             <a:endParaRPr lang="zh-CN" altLang="en-US"/>
           </a:p>
@@ -2898,13 +2660,7 @@
       </p:sp>
       <p:sp>
         <p:nvSpPr>
-          <p:cNvPr id="5" name="页脚占位符 4">
-            <a:extLst>
-              <a:ext uri="{FF2B5EF4-FFF2-40B4-BE49-F238E27FC236}">
-                <a16:creationId xmlns:a16="http://schemas.microsoft.com/office/drawing/2014/main" id="{2B08EFBF-B4C6-422F-A471-7844CD680F21}"/>
-              </a:ext>
-            </a:extLst>
-          </p:cNvPr>
+          <p:cNvPr id="5" name="页脚占位符 4"/>
           <p:cNvSpPr>
             <a:spLocks noGrp="1"/>
           </p:cNvSpPr>
@@ -2923,13 +2679,7 @@
       </p:sp>
       <p:sp>
         <p:nvSpPr>
-          <p:cNvPr id="6" name="灯片编号占位符 5">
-            <a:extLst>
-              <a:ext uri="{FF2B5EF4-FFF2-40B4-BE49-F238E27FC236}">
-                <a16:creationId xmlns:a16="http://schemas.microsoft.com/office/drawing/2014/main" id="{E724A86A-CF97-4FDA-AA7F-AB051ACDAFF3}"/>
-              </a:ext>
-            </a:extLst>
-          </p:cNvPr>
+          <p:cNvPr id="6" name="灯片编号占位符 5"/>
           <p:cNvSpPr>
             <a:spLocks noGrp="1"/>
           </p:cNvSpPr>
@@ -2944,18 +2694,12 @@
           <a:p>
             <a:fld id="{0367427E-6965-4C1F-9B96-9EAA198652BD}" type="slidenum">
               <a:rPr lang="zh-CN" altLang="en-US" smtClean="0"/>
-              <a:t>‹#›</a:t>
             </a:fld>
             <a:endParaRPr lang="zh-CN" altLang="en-US"/>
           </a:p>
         </p:txBody>
       </p:sp>
     </p:spTree>
-    <p:extLst>
-      <p:ext uri="{BB962C8B-B14F-4D97-AF65-F5344CB8AC3E}">
-        <p14:creationId xmlns:p14="http://schemas.microsoft.com/office/powerpoint/2010/main" val="4044104661"/>
-      </p:ext>
-    </p:extLst>
   </p:cSld>
   <p:clrMapOvr>
     <a:masterClrMapping/>
@@ -2982,13 +2726,7 @@
       </p:grpSpPr>
       <p:sp>
         <p:nvSpPr>
-          <p:cNvPr id="2" name="标题 1">
-            <a:extLst>
-              <a:ext uri="{FF2B5EF4-FFF2-40B4-BE49-F238E27FC236}">
-                <a16:creationId xmlns:a16="http://schemas.microsoft.com/office/drawing/2014/main" id="{5E10D0CE-B16C-40C5-869D-8E375B4930D1}"/>
-              </a:ext>
-            </a:extLst>
-          </p:cNvPr>
+          <p:cNvPr id="2" name="标题 1"/>
           <p:cNvSpPr>
             <a:spLocks noGrp="1"/>
           </p:cNvSpPr>
@@ -3005,23 +2743,18 @@
               <a:rPr lang="zh-CN" altLang="en-US"/>
               <a:t>单击此处编辑母版标题样式</a:t>
             </a:r>
+            <a:endParaRPr lang="zh-CN" altLang="en-US"/>
           </a:p>
         </p:txBody>
       </p:sp>
       <p:sp>
         <p:nvSpPr>
-          <p:cNvPr id="3" name="内容占位符 2">
-            <a:extLst>
-              <a:ext uri="{FF2B5EF4-FFF2-40B4-BE49-F238E27FC236}">
-                <a16:creationId xmlns:a16="http://schemas.microsoft.com/office/drawing/2014/main" id="{875254BD-1BB0-461D-9523-A56BBA3A7A16}"/>
-              </a:ext>
-            </a:extLst>
-          </p:cNvPr>
+          <p:cNvPr id="3" name="内容占位符 2"/>
           <p:cNvSpPr>
             <a:spLocks noGrp="1"/>
           </p:cNvSpPr>
           <p:nvPr>
-            <p:ph sz="half" idx="1"/>
+            <p:ph sz="half" idx="1" hasCustomPrompt="1"/>
           </p:nvPr>
         </p:nvSpPr>
         <p:spPr>
@@ -3039,6 +2772,7 @@
               <a:rPr lang="zh-CN" altLang="en-US"/>
               <a:t>编辑母版文本样式</a:t>
             </a:r>
+            <a:endParaRPr lang="zh-CN" altLang="en-US"/>
           </a:p>
           <a:p>
             <a:pPr lvl="1"/>
@@ -3046,6 +2780,7 @@
               <a:rPr lang="zh-CN" altLang="en-US"/>
               <a:t>第二级</a:t>
             </a:r>
+            <a:endParaRPr lang="zh-CN" altLang="en-US"/>
           </a:p>
           <a:p>
             <a:pPr lvl="2"/>
@@ -3053,6 +2788,7 @@
               <a:rPr lang="zh-CN" altLang="en-US"/>
               <a:t>第三级</a:t>
             </a:r>
+            <a:endParaRPr lang="zh-CN" altLang="en-US"/>
           </a:p>
           <a:p>
             <a:pPr lvl="3"/>
@@ -3060,6 +2796,7 @@
               <a:rPr lang="zh-CN" altLang="en-US"/>
               <a:t>第四级</a:t>
             </a:r>
+            <a:endParaRPr lang="zh-CN" altLang="en-US"/>
           </a:p>
           <a:p>
             <a:pPr lvl="4"/>
@@ -3067,23 +2804,18 @@
               <a:rPr lang="zh-CN" altLang="en-US"/>
               <a:t>第五级</a:t>
             </a:r>
+            <a:endParaRPr lang="zh-CN" altLang="en-US"/>
           </a:p>
         </p:txBody>
       </p:sp>
       <p:sp>
         <p:nvSpPr>
-          <p:cNvPr id="4" name="内容占位符 3">
-            <a:extLst>
-              <a:ext uri="{FF2B5EF4-FFF2-40B4-BE49-F238E27FC236}">
-                <a16:creationId xmlns:a16="http://schemas.microsoft.com/office/drawing/2014/main" id="{AEBC9EEB-E466-46C0-89FD-3A53D739FE6B}"/>
-              </a:ext>
-            </a:extLst>
-          </p:cNvPr>
+          <p:cNvPr id="4" name="内容占位符 3"/>
           <p:cNvSpPr>
             <a:spLocks noGrp="1"/>
           </p:cNvSpPr>
           <p:nvPr>
-            <p:ph sz="half" idx="2"/>
+            <p:ph sz="half" idx="2" hasCustomPrompt="1"/>
           </p:nvPr>
         </p:nvSpPr>
         <p:spPr>
@@ -3101,6 +2833,7 @@
               <a:rPr lang="zh-CN" altLang="en-US"/>
               <a:t>编辑母版文本样式</a:t>
             </a:r>
+            <a:endParaRPr lang="zh-CN" altLang="en-US"/>
           </a:p>
           <a:p>
             <a:pPr lvl="1"/>
@@ -3108,6 +2841,7 @@
               <a:rPr lang="zh-CN" altLang="en-US"/>
               <a:t>第二级</a:t>
             </a:r>
+            <a:endParaRPr lang="zh-CN" altLang="en-US"/>
           </a:p>
           <a:p>
             <a:pPr lvl="2"/>
@@ -3115,6 +2849,7 @@
               <a:rPr lang="zh-CN" altLang="en-US"/>
               <a:t>第三级</a:t>
             </a:r>
+            <a:endParaRPr lang="zh-CN" altLang="en-US"/>
           </a:p>
           <a:p>
             <a:pPr lvl="3"/>
@@ -3122,6 +2857,7 @@
               <a:rPr lang="zh-CN" altLang="en-US"/>
               <a:t>第四级</a:t>
             </a:r>
+            <a:endParaRPr lang="zh-CN" altLang="en-US"/>
           </a:p>
           <a:p>
             <a:pPr lvl="4"/>
@@ -3129,18 +2865,13 @@
               <a:rPr lang="zh-CN" altLang="en-US"/>
               <a:t>第五级</a:t>
             </a:r>
+            <a:endParaRPr lang="zh-CN" altLang="en-US"/>
           </a:p>
         </p:txBody>
       </p:sp>
       <p:sp>
         <p:nvSpPr>
-          <p:cNvPr id="5" name="日期占位符 4">
-            <a:extLst>
-              <a:ext uri="{FF2B5EF4-FFF2-40B4-BE49-F238E27FC236}">
-                <a16:creationId xmlns:a16="http://schemas.microsoft.com/office/drawing/2014/main" id="{E2804F2E-1DB2-4D6F-92F5-2ED4232B4AF8}"/>
-              </a:ext>
-            </a:extLst>
-          </p:cNvPr>
+          <p:cNvPr id="5" name="日期占位符 4"/>
           <p:cNvSpPr>
             <a:spLocks noGrp="1"/>
           </p:cNvSpPr>
@@ -3155,7 +2886,6 @@
           <a:p>
             <a:fld id="{CCA087C5-6DBF-488C-AE10-CBC1E42CD670}" type="datetimeFigureOut">
               <a:rPr lang="zh-CN" altLang="en-US" smtClean="0"/>
-              <a:t>2019/1/29</a:t>
             </a:fld>
             <a:endParaRPr lang="zh-CN" altLang="en-US"/>
           </a:p>
@@ -3163,13 +2893,7 @@
       </p:sp>
       <p:sp>
         <p:nvSpPr>
-          <p:cNvPr id="6" name="页脚占位符 5">
-            <a:extLst>
-              <a:ext uri="{FF2B5EF4-FFF2-40B4-BE49-F238E27FC236}">
-                <a16:creationId xmlns:a16="http://schemas.microsoft.com/office/drawing/2014/main" id="{9E7B3A53-8C9E-40B2-BDB1-13E947FCCFE6}"/>
-              </a:ext>
-            </a:extLst>
-          </p:cNvPr>
+          <p:cNvPr id="6" name="页脚占位符 5"/>
           <p:cNvSpPr>
             <a:spLocks noGrp="1"/>
           </p:cNvSpPr>
@@ -3188,13 +2912,7 @@
       </p:sp>
       <p:sp>
         <p:nvSpPr>
-          <p:cNvPr id="7" name="灯片编号占位符 6">
-            <a:extLst>
-              <a:ext uri="{FF2B5EF4-FFF2-40B4-BE49-F238E27FC236}">
-                <a16:creationId xmlns:a16="http://schemas.microsoft.com/office/drawing/2014/main" id="{7A47662B-71C4-4DBF-B5C6-B364C44E2845}"/>
-              </a:ext>
-            </a:extLst>
-          </p:cNvPr>
+          <p:cNvPr id="7" name="灯片编号占位符 6"/>
           <p:cNvSpPr>
             <a:spLocks noGrp="1"/>
           </p:cNvSpPr>
@@ -3209,18 +2927,12 @@
           <a:p>
             <a:fld id="{0367427E-6965-4C1F-9B96-9EAA198652BD}" type="slidenum">
               <a:rPr lang="zh-CN" altLang="en-US" smtClean="0"/>
-              <a:t>‹#›</a:t>
             </a:fld>
             <a:endParaRPr lang="zh-CN" altLang="en-US"/>
           </a:p>
         </p:txBody>
       </p:sp>
     </p:spTree>
-    <p:extLst>
-      <p:ext uri="{BB962C8B-B14F-4D97-AF65-F5344CB8AC3E}">
-        <p14:creationId xmlns:p14="http://schemas.microsoft.com/office/powerpoint/2010/main" val="2795061879"/>
-      </p:ext>
-    </p:extLst>
   </p:cSld>
   <p:clrMapOvr>
     <a:masterClrMapping/>
@@ -3247,13 +2959,7 @@
       </p:grpSpPr>
       <p:sp>
         <p:nvSpPr>
-          <p:cNvPr id="2" name="标题 1">
-            <a:extLst>
-              <a:ext uri="{FF2B5EF4-FFF2-40B4-BE49-F238E27FC236}">
-                <a16:creationId xmlns:a16="http://schemas.microsoft.com/office/drawing/2014/main" id="{40668BCA-4C34-4540-8654-D682C3E3184D}"/>
-              </a:ext>
-            </a:extLst>
-          </p:cNvPr>
+          <p:cNvPr id="2" name="标题 1"/>
           <p:cNvSpPr>
             <a:spLocks noGrp="1"/>
           </p:cNvSpPr>
@@ -3275,23 +2981,18 @@
               <a:rPr lang="zh-CN" altLang="en-US"/>
               <a:t>单击此处编辑母版标题样式</a:t>
             </a:r>
+            <a:endParaRPr lang="zh-CN" altLang="en-US"/>
           </a:p>
         </p:txBody>
       </p:sp>
       <p:sp>
         <p:nvSpPr>
-          <p:cNvPr id="3" name="文本占位符 2">
-            <a:extLst>
-              <a:ext uri="{FF2B5EF4-FFF2-40B4-BE49-F238E27FC236}">
-                <a16:creationId xmlns:a16="http://schemas.microsoft.com/office/drawing/2014/main" id="{7F112ADA-2000-40BA-98DB-BB4FF7B51B21}"/>
-              </a:ext>
-            </a:extLst>
-          </p:cNvPr>
+          <p:cNvPr id="3" name="文本占位符 2"/>
           <p:cNvSpPr>
             <a:spLocks noGrp="1"/>
           </p:cNvSpPr>
           <p:nvPr>
-            <p:ph type="body" idx="1"/>
+            <p:ph type="body" idx="1" hasCustomPrompt="1"/>
           </p:nvPr>
         </p:nvSpPr>
         <p:spPr>
@@ -3346,23 +3047,18 @@
               <a:rPr lang="zh-CN" altLang="en-US"/>
               <a:t>编辑母版文本样式</a:t>
             </a:r>
+            <a:endParaRPr lang="zh-CN" altLang="en-US"/>
           </a:p>
         </p:txBody>
       </p:sp>
       <p:sp>
         <p:nvSpPr>
-          <p:cNvPr id="4" name="内容占位符 3">
-            <a:extLst>
-              <a:ext uri="{FF2B5EF4-FFF2-40B4-BE49-F238E27FC236}">
-                <a16:creationId xmlns:a16="http://schemas.microsoft.com/office/drawing/2014/main" id="{3D6848F4-160E-477D-A730-253FDD86F2E2}"/>
-              </a:ext>
-            </a:extLst>
-          </p:cNvPr>
+          <p:cNvPr id="4" name="内容占位符 3"/>
           <p:cNvSpPr>
             <a:spLocks noGrp="1"/>
           </p:cNvSpPr>
           <p:nvPr>
-            <p:ph sz="half" idx="2"/>
+            <p:ph sz="half" idx="2" hasCustomPrompt="1"/>
           </p:nvPr>
         </p:nvSpPr>
         <p:spPr>
@@ -3380,6 +3076,7 @@
               <a:rPr lang="zh-CN" altLang="en-US"/>
               <a:t>编辑母版文本样式</a:t>
             </a:r>
+            <a:endParaRPr lang="zh-CN" altLang="en-US"/>
           </a:p>
           <a:p>
             <a:pPr lvl="1"/>
@@ -3387,6 +3084,7 @@
               <a:rPr lang="zh-CN" altLang="en-US"/>
               <a:t>第二级</a:t>
             </a:r>
+            <a:endParaRPr lang="zh-CN" altLang="en-US"/>
           </a:p>
           <a:p>
             <a:pPr lvl="2"/>
@@ -3394,6 +3092,7 @@
               <a:rPr lang="zh-CN" altLang="en-US"/>
               <a:t>第三级</a:t>
             </a:r>
+            <a:endParaRPr lang="zh-CN" altLang="en-US"/>
           </a:p>
           <a:p>
             <a:pPr lvl="3"/>
@@ -3401,6 +3100,7 @@
               <a:rPr lang="zh-CN" altLang="en-US"/>
               <a:t>第四级</a:t>
             </a:r>
+            <a:endParaRPr lang="zh-CN" altLang="en-US"/>
           </a:p>
           <a:p>
             <a:pPr lvl="4"/>
@@ -3408,23 +3108,18 @@
               <a:rPr lang="zh-CN" altLang="en-US"/>
               <a:t>第五级</a:t>
             </a:r>
+            <a:endParaRPr lang="zh-CN" altLang="en-US"/>
           </a:p>
         </p:txBody>
       </p:sp>
       <p:sp>
         <p:nvSpPr>
-          <p:cNvPr id="5" name="文本占位符 4">
-            <a:extLst>
-              <a:ext uri="{FF2B5EF4-FFF2-40B4-BE49-F238E27FC236}">
-                <a16:creationId xmlns:a16="http://schemas.microsoft.com/office/drawing/2014/main" id="{6488EB20-4A0E-4A76-BBBE-70DC815B5ECC}"/>
-              </a:ext>
-            </a:extLst>
-          </p:cNvPr>
+          <p:cNvPr id="5" name="文本占位符 4"/>
           <p:cNvSpPr>
             <a:spLocks noGrp="1"/>
           </p:cNvSpPr>
           <p:nvPr>
-            <p:ph type="body" sz="quarter" idx="3"/>
+            <p:ph type="body" sz="quarter" idx="3" hasCustomPrompt="1"/>
           </p:nvPr>
         </p:nvSpPr>
         <p:spPr>
@@ -3479,23 +3174,18 @@
               <a:rPr lang="zh-CN" altLang="en-US"/>
               <a:t>编辑母版文本样式</a:t>
             </a:r>
+            <a:endParaRPr lang="zh-CN" altLang="en-US"/>
           </a:p>
         </p:txBody>
       </p:sp>
       <p:sp>
         <p:nvSpPr>
-          <p:cNvPr id="6" name="内容占位符 5">
-            <a:extLst>
-              <a:ext uri="{FF2B5EF4-FFF2-40B4-BE49-F238E27FC236}">
-                <a16:creationId xmlns:a16="http://schemas.microsoft.com/office/drawing/2014/main" id="{0E7A608A-40A6-4221-ACA8-19D102B38094}"/>
-              </a:ext>
-            </a:extLst>
-          </p:cNvPr>
+          <p:cNvPr id="6" name="内容占位符 5"/>
           <p:cNvSpPr>
             <a:spLocks noGrp="1"/>
           </p:cNvSpPr>
           <p:nvPr>
-            <p:ph sz="quarter" idx="4"/>
+            <p:ph sz="quarter" idx="4" hasCustomPrompt="1"/>
           </p:nvPr>
         </p:nvSpPr>
         <p:spPr>
@@ -3513,6 +3203,7 @@
               <a:rPr lang="zh-CN" altLang="en-US"/>
               <a:t>编辑母版文本样式</a:t>
             </a:r>
+            <a:endParaRPr lang="zh-CN" altLang="en-US"/>
           </a:p>
           <a:p>
             <a:pPr lvl="1"/>
@@ -3520,6 +3211,7 @@
               <a:rPr lang="zh-CN" altLang="en-US"/>
               <a:t>第二级</a:t>
             </a:r>
+            <a:endParaRPr lang="zh-CN" altLang="en-US"/>
           </a:p>
           <a:p>
             <a:pPr lvl="2"/>
@@ -3527,6 +3219,7 @@
               <a:rPr lang="zh-CN" altLang="en-US"/>
               <a:t>第三级</a:t>
             </a:r>
+            <a:endParaRPr lang="zh-CN" altLang="en-US"/>
           </a:p>
           <a:p>
             <a:pPr lvl="3"/>
@@ -3534,6 +3227,7 @@
               <a:rPr lang="zh-CN" altLang="en-US"/>
               <a:t>第四级</a:t>
             </a:r>
+            <a:endParaRPr lang="zh-CN" altLang="en-US"/>
           </a:p>
           <a:p>
             <a:pPr lvl="4"/>
@@ -3541,18 +3235,13 @@
               <a:rPr lang="zh-CN" altLang="en-US"/>
               <a:t>第五级</a:t>
             </a:r>
+            <a:endParaRPr lang="zh-CN" altLang="en-US"/>
           </a:p>
         </p:txBody>
       </p:sp>
       <p:sp>
         <p:nvSpPr>
-          <p:cNvPr id="7" name="日期占位符 6">
-            <a:extLst>
-              <a:ext uri="{FF2B5EF4-FFF2-40B4-BE49-F238E27FC236}">
-                <a16:creationId xmlns:a16="http://schemas.microsoft.com/office/drawing/2014/main" id="{8B7697C3-D3D9-4FAC-8CBD-1D233FD246A7}"/>
-              </a:ext>
-            </a:extLst>
-          </p:cNvPr>
+          <p:cNvPr id="7" name="日期占位符 6"/>
           <p:cNvSpPr>
             <a:spLocks noGrp="1"/>
           </p:cNvSpPr>
@@ -3567,7 +3256,6 @@
           <a:p>
             <a:fld id="{CCA087C5-6DBF-488C-AE10-CBC1E42CD670}" type="datetimeFigureOut">
               <a:rPr lang="zh-CN" altLang="en-US" smtClean="0"/>
-              <a:t>2019/1/29</a:t>
             </a:fld>
             <a:endParaRPr lang="zh-CN" altLang="en-US"/>
           </a:p>
@@ -3575,13 +3263,7 @@
       </p:sp>
       <p:sp>
         <p:nvSpPr>
-          <p:cNvPr id="8" name="页脚占位符 7">
-            <a:extLst>
-              <a:ext uri="{FF2B5EF4-FFF2-40B4-BE49-F238E27FC236}">
-                <a16:creationId xmlns:a16="http://schemas.microsoft.com/office/drawing/2014/main" id="{6E244771-2EC9-4A17-AA02-1B56BD9908DC}"/>
-              </a:ext>
-            </a:extLst>
-          </p:cNvPr>
+          <p:cNvPr id="8" name="页脚占位符 7"/>
           <p:cNvSpPr>
             <a:spLocks noGrp="1"/>
           </p:cNvSpPr>
@@ -3600,13 +3282,7 @@
       </p:sp>
       <p:sp>
         <p:nvSpPr>
-          <p:cNvPr id="9" name="灯片编号占位符 8">
-            <a:extLst>
-              <a:ext uri="{FF2B5EF4-FFF2-40B4-BE49-F238E27FC236}">
-                <a16:creationId xmlns:a16="http://schemas.microsoft.com/office/drawing/2014/main" id="{E914C20D-25F2-40ED-AAAF-D24802D6B85F}"/>
-              </a:ext>
-            </a:extLst>
-          </p:cNvPr>
+          <p:cNvPr id="9" name="灯片编号占位符 8"/>
           <p:cNvSpPr>
             <a:spLocks noGrp="1"/>
           </p:cNvSpPr>
@@ -3621,18 +3297,12 @@
           <a:p>
             <a:fld id="{0367427E-6965-4C1F-9B96-9EAA198652BD}" type="slidenum">
               <a:rPr lang="zh-CN" altLang="en-US" smtClean="0"/>
-              <a:t>‹#›</a:t>
             </a:fld>
             <a:endParaRPr lang="zh-CN" altLang="en-US"/>
           </a:p>
         </p:txBody>
       </p:sp>
     </p:spTree>
-    <p:extLst>
-      <p:ext uri="{BB962C8B-B14F-4D97-AF65-F5344CB8AC3E}">
-        <p14:creationId xmlns:p14="http://schemas.microsoft.com/office/powerpoint/2010/main" val="436718662"/>
-      </p:ext>
-    </p:extLst>
   </p:cSld>
   <p:clrMapOvr>
     <a:masterClrMapping/>
@@ -3659,13 +3329,7 @@
       </p:grpSpPr>
       <p:sp>
         <p:nvSpPr>
-          <p:cNvPr id="2" name="标题 1">
-            <a:extLst>
-              <a:ext uri="{FF2B5EF4-FFF2-40B4-BE49-F238E27FC236}">
-                <a16:creationId xmlns:a16="http://schemas.microsoft.com/office/drawing/2014/main" id="{B17A8CA1-3C54-4624-9B75-C183AC0B8369}"/>
-              </a:ext>
-            </a:extLst>
-          </p:cNvPr>
+          <p:cNvPr id="2" name="标题 1"/>
           <p:cNvSpPr>
             <a:spLocks noGrp="1"/>
           </p:cNvSpPr>
@@ -3682,18 +3346,13 @@
               <a:rPr lang="zh-CN" altLang="en-US"/>
               <a:t>单击此处编辑母版标题样式</a:t>
             </a:r>
+            <a:endParaRPr lang="zh-CN" altLang="en-US"/>
           </a:p>
         </p:txBody>
       </p:sp>
       <p:sp>
         <p:nvSpPr>
-          <p:cNvPr id="3" name="日期占位符 2">
-            <a:extLst>
-              <a:ext uri="{FF2B5EF4-FFF2-40B4-BE49-F238E27FC236}">
-                <a16:creationId xmlns:a16="http://schemas.microsoft.com/office/drawing/2014/main" id="{81782EED-1A91-4D70-A708-D4BF41B9B314}"/>
-              </a:ext>
-            </a:extLst>
-          </p:cNvPr>
+          <p:cNvPr id="3" name="日期占位符 2"/>
           <p:cNvSpPr>
             <a:spLocks noGrp="1"/>
           </p:cNvSpPr>
@@ -3708,7 +3367,6 @@
           <a:p>
             <a:fld id="{CCA087C5-6DBF-488C-AE10-CBC1E42CD670}" type="datetimeFigureOut">
               <a:rPr lang="zh-CN" altLang="en-US" smtClean="0"/>
-              <a:t>2019/1/29</a:t>
             </a:fld>
             <a:endParaRPr lang="zh-CN" altLang="en-US"/>
           </a:p>
@@ -3716,13 +3374,7 @@
       </p:sp>
       <p:sp>
         <p:nvSpPr>
-          <p:cNvPr id="4" name="页脚占位符 3">
-            <a:extLst>
-              <a:ext uri="{FF2B5EF4-FFF2-40B4-BE49-F238E27FC236}">
-                <a16:creationId xmlns:a16="http://schemas.microsoft.com/office/drawing/2014/main" id="{B51139C9-EAFE-4BC1-B18B-E3705D97CB7B}"/>
-              </a:ext>
-            </a:extLst>
-          </p:cNvPr>
+          <p:cNvPr id="4" name="页脚占位符 3"/>
           <p:cNvSpPr>
             <a:spLocks noGrp="1"/>
           </p:cNvSpPr>
@@ -3741,13 +3393,7 @@
       </p:sp>
       <p:sp>
         <p:nvSpPr>
-          <p:cNvPr id="5" name="灯片编号占位符 4">
-            <a:extLst>
-              <a:ext uri="{FF2B5EF4-FFF2-40B4-BE49-F238E27FC236}">
-                <a16:creationId xmlns:a16="http://schemas.microsoft.com/office/drawing/2014/main" id="{FC686D21-8AF4-4E62-B6B7-28A1BA895B7E}"/>
-              </a:ext>
-            </a:extLst>
-          </p:cNvPr>
+          <p:cNvPr id="5" name="灯片编号占位符 4"/>
           <p:cNvSpPr>
             <a:spLocks noGrp="1"/>
           </p:cNvSpPr>
@@ -3762,18 +3408,12 @@
           <a:p>
             <a:fld id="{0367427E-6965-4C1F-9B96-9EAA198652BD}" type="slidenum">
               <a:rPr lang="zh-CN" altLang="en-US" smtClean="0"/>
-              <a:t>‹#›</a:t>
             </a:fld>
             <a:endParaRPr lang="zh-CN" altLang="en-US"/>
           </a:p>
         </p:txBody>
       </p:sp>
     </p:spTree>
-    <p:extLst>
-      <p:ext uri="{BB962C8B-B14F-4D97-AF65-F5344CB8AC3E}">
-        <p14:creationId xmlns:p14="http://schemas.microsoft.com/office/powerpoint/2010/main" val="2325837221"/>
-      </p:ext>
-    </p:extLst>
   </p:cSld>
   <p:clrMapOvr>
     <a:masterClrMapping/>
@@ -3800,13 +3440,7 @@
       </p:grpSpPr>
       <p:sp>
         <p:nvSpPr>
-          <p:cNvPr id="2" name="日期占位符 1">
-            <a:extLst>
-              <a:ext uri="{FF2B5EF4-FFF2-40B4-BE49-F238E27FC236}">
-                <a16:creationId xmlns:a16="http://schemas.microsoft.com/office/drawing/2014/main" id="{0522BEF6-562D-4455-BD76-DDA10B1DF6BC}"/>
-              </a:ext>
-            </a:extLst>
-          </p:cNvPr>
+          <p:cNvPr id="2" name="日期占位符 1"/>
           <p:cNvSpPr>
             <a:spLocks noGrp="1"/>
           </p:cNvSpPr>
@@ -3821,7 +3455,6 @@
           <a:p>
             <a:fld id="{CCA087C5-6DBF-488C-AE10-CBC1E42CD670}" type="datetimeFigureOut">
               <a:rPr lang="zh-CN" altLang="en-US" smtClean="0"/>
-              <a:t>2019/1/29</a:t>
             </a:fld>
             <a:endParaRPr lang="zh-CN" altLang="en-US"/>
           </a:p>
@@ -3829,13 +3462,7 @@
       </p:sp>
       <p:sp>
         <p:nvSpPr>
-          <p:cNvPr id="3" name="页脚占位符 2">
-            <a:extLst>
-              <a:ext uri="{FF2B5EF4-FFF2-40B4-BE49-F238E27FC236}">
-                <a16:creationId xmlns:a16="http://schemas.microsoft.com/office/drawing/2014/main" id="{699E9BF3-D664-4432-B387-C6FDEFD6163B}"/>
-              </a:ext>
-            </a:extLst>
-          </p:cNvPr>
+          <p:cNvPr id="3" name="页脚占位符 2"/>
           <p:cNvSpPr>
             <a:spLocks noGrp="1"/>
           </p:cNvSpPr>
@@ -3854,13 +3481,7 @@
       </p:sp>
       <p:sp>
         <p:nvSpPr>
-          <p:cNvPr id="4" name="灯片编号占位符 3">
-            <a:extLst>
-              <a:ext uri="{FF2B5EF4-FFF2-40B4-BE49-F238E27FC236}">
-                <a16:creationId xmlns:a16="http://schemas.microsoft.com/office/drawing/2014/main" id="{E1468836-E8BD-4E72-91DD-3759C96ED86E}"/>
-              </a:ext>
-            </a:extLst>
-          </p:cNvPr>
+          <p:cNvPr id="4" name="灯片编号占位符 3"/>
           <p:cNvSpPr>
             <a:spLocks noGrp="1"/>
           </p:cNvSpPr>
@@ -3875,18 +3496,12 @@
           <a:p>
             <a:fld id="{0367427E-6965-4C1F-9B96-9EAA198652BD}" type="slidenum">
               <a:rPr lang="zh-CN" altLang="en-US" smtClean="0"/>
-              <a:t>‹#›</a:t>
             </a:fld>
             <a:endParaRPr lang="zh-CN" altLang="en-US"/>
           </a:p>
         </p:txBody>
       </p:sp>
     </p:spTree>
-    <p:extLst>
-      <p:ext uri="{BB962C8B-B14F-4D97-AF65-F5344CB8AC3E}">
-        <p14:creationId xmlns:p14="http://schemas.microsoft.com/office/powerpoint/2010/main" val="1208858105"/>
-      </p:ext>
-    </p:extLst>
   </p:cSld>
   <p:clrMapOvr>
     <a:masterClrMapping/>
@@ -3913,13 +3528,7 @@
       </p:grpSpPr>
       <p:sp>
         <p:nvSpPr>
-          <p:cNvPr id="2" name="标题 1">
-            <a:extLst>
-              <a:ext uri="{FF2B5EF4-FFF2-40B4-BE49-F238E27FC236}">
-                <a16:creationId xmlns:a16="http://schemas.microsoft.com/office/drawing/2014/main" id="{3910308F-4288-4DDD-BEC7-E2DEA2300175}"/>
-              </a:ext>
-            </a:extLst>
-          </p:cNvPr>
+          <p:cNvPr id="2" name="标题 1"/>
           <p:cNvSpPr>
             <a:spLocks noGrp="1"/>
           </p:cNvSpPr>
@@ -3945,23 +3554,18 @@
               <a:rPr lang="zh-CN" altLang="en-US"/>
               <a:t>单击此处编辑母版标题样式</a:t>
             </a:r>
+            <a:endParaRPr lang="zh-CN" altLang="en-US"/>
           </a:p>
         </p:txBody>
       </p:sp>
       <p:sp>
         <p:nvSpPr>
-          <p:cNvPr id="3" name="内容占位符 2">
-            <a:extLst>
-              <a:ext uri="{FF2B5EF4-FFF2-40B4-BE49-F238E27FC236}">
-                <a16:creationId xmlns:a16="http://schemas.microsoft.com/office/drawing/2014/main" id="{89F1CCF2-C89D-4CD3-8145-4312A979ECA4}"/>
-              </a:ext>
-            </a:extLst>
-          </p:cNvPr>
+          <p:cNvPr id="3" name="内容占位符 2"/>
           <p:cNvSpPr>
             <a:spLocks noGrp="1"/>
           </p:cNvSpPr>
           <p:nvPr>
-            <p:ph idx="1"/>
+            <p:ph idx="1" hasCustomPrompt="1"/>
           </p:nvPr>
         </p:nvSpPr>
         <p:spPr>
@@ -4007,6 +3611,7 @@
               <a:rPr lang="zh-CN" altLang="en-US"/>
               <a:t>编辑母版文本样式</a:t>
             </a:r>
+            <a:endParaRPr lang="zh-CN" altLang="en-US"/>
           </a:p>
           <a:p>
             <a:pPr lvl="1"/>
@@ -4014,6 +3619,7 @@
               <a:rPr lang="zh-CN" altLang="en-US"/>
               <a:t>第二级</a:t>
             </a:r>
+            <a:endParaRPr lang="zh-CN" altLang="en-US"/>
           </a:p>
           <a:p>
             <a:pPr lvl="2"/>
@@ -4021,6 +3627,7 @@
               <a:rPr lang="zh-CN" altLang="en-US"/>
               <a:t>第三级</a:t>
             </a:r>
+            <a:endParaRPr lang="zh-CN" altLang="en-US"/>
           </a:p>
           <a:p>
             <a:pPr lvl="3"/>
@@ -4028,6 +3635,7 @@
               <a:rPr lang="zh-CN" altLang="en-US"/>
               <a:t>第四级</a:t>
             </a:r>
+            <a:endParaRPr lang="zh-CN" altLang="en-US"/>
           </a:p>
           <a:p>
             <a:pPr lvl="4"/>
@@ -4035,23 +3643,18 @@
               <a:rPr lang="zh-CN" altLang="en-US"/>
               <a:t>第五级</a:t>
             </a:r>
+            <a:endParaRPr lang="zh-CN" altLang="en-US"/>
           </a:p>
         </p:txBody>
       </p:sp>
       <p:sp>
         <p:nvSpPr>
-          <p:cNvPr id="4" name="文本占位符 3">
-            <a:extLst>
-              <a:ext uri="{FF2B5EF4-FFF2-40B4-BE49-F238E27FC236}">
-                <a16:creationId xmlns:a16="http://schemas.microsoft.com/office/drawing/2014/main" id="{5C8A7611-4FF6-4CCA-9448-5483B9458569}"/>
-              </a:ext>
-            </a:extLst>
-          </p:cNvPr>
+          <p:cNvPr id="4" name="文本占位符 3"/>
           <p:cNvSpPr>
             <a:spLocks noGrp="1"/>
           </p:cNvSpPr>
           <p:nvPr>
-            <p:ph type="body" sz="half" idx="2"/>
+            <p:ph type="body" sz="half" idx="2" hasCustomPrompt="1"/>
           </p:nvPr>
         </p:nvSpPr>
         <p:spPr>
@@ -4106,18 +3709,13 @@
               <a:rPr lang="zh-CN" altLang="en-US"/>
               <a:t>编辑母版文本样式</a:t>
             </a:r>
+            <a:endParaRPr lang="zh-CN" altLang="en-US"/>
           </a:p>
         </p:txBody>
       </p:sp>
       <p:sp>
         <p:nvSpPr>
-          <p:cNvPr id="5" name="日期占位符 4">
-            <a:extLst>
-              <a:ext uri="{FF2B5EF4-FFF2-40B4-BE49-F238E27FC236}">
-                <a16:creationId xmlns:a16="http://schemas.microsoft.com/office/drawing/2014/main" id="{BF1BA9AA-E65F-41C0-848B-C8C8A1135A3B}"/>
-              </a:ext>
-            </a:extLst>
-          </p:cNvPr>
+          <p:cNvPr id="5" name="日期占位符 4"/>
           <p:cNvSpPr>
             <a:spLocks noGrp="1"/>
           </p:cNvSpPr>
@@ -4132,7 +3730,6 @@
           <a:p>
             <a:fld id="{CCA087C5-6DBF-488C-AE10-CBC1E42CD670}" type="datetimeFigureOut">
               <a:rPr lang="zh-CN" altLang="en-US" smtClean="0"/>
-              <a:t>2019/1/29</a:t>
             </a:fld>
             <a:endParaRPr lang="zh-CN" altLang="en-US"/>
           </a:p>
@@ -4140,13 +3737,7 @@
       </p:sp>
       <p:sp>
         <p:nvSpPr>
-          <p:cNvPr id="6" name="页脚占位符 5">
-            <a:extLst>
-              <a:ext uri="{FF2B5EF4-FFF2-40B4-BE49-F238E27FC236}">
-                <a16:creationId xmlns:a16="http://schemas.microsoft.com/office/drawing/2014/main" id="{5ED25DFA-D2EC-4338-B06E-E14756A893E8}"/>
-              </a:ext>
-            </a:extLst>
-          </p:cNvPr>
+          <p:cNvPr id="6" name="页脚占位符 5"/>
           <p:cNvSpPr>
             <a:spLocks noGrp="1"/>
           </p:cNvSpPr>
@@ -4165,13 +3756,7 @@
       </p:sp>
       <p:sp>
         <p:nvSpPr>
-          <p:cNvPr id="7" name="灯片编号占位符 6">
-            <a:extLst>
-              <a:ext uri="{FF2B5EF4-FFF2-40B4-BE49-F238E27FC236}">
-                <a16:creationId xmlns:a16="http://schemas.microsoft.com/office/drawing/2014/main" id="{2A2C23C4-D2FA-4191-B927-DF76DE81BA15}"/>
-              </a:ext>
-            </a:extLst>
-          </p:cNvPr>
+          <p:cNvPr id="7" name="灯片编号占位符 6"/>
           <p:cNvSpPr>
             <a:spLocks noGrp="1"/>
           </p:cNvSpPr>
@@ -4186,18 +3771,12 @@
           <a:p>
             <a:fld id="{0367427E-6965-4C1F-9B96-9EAA198652BD}" type="slidenum">
               <a:rPr lang="zh-CN" altLang="en-US" smtClean="0"/>
-              <a:t>‹#›</a:t>
             </a:fld>
             <a:endParaRPr lang="zh-CN" altLang="en-US"/>
           </a:p>
         </p:txBody>
       </p:sp>
     </p:spTree>
-    <p:extLst>
-      <p:ext uri="{BB962C8B-B14F-4D97-AF65-F5344CB8AC3E}">
-        <p14:creationId xmlns:p14="http://schemas.microsoft.com/office/powerpoint/2010/main" val="2541331892"/>
-      </p:ext>
-    </p:extLst>
   </p:cSld>
   <p:clrMapOvr>
     <a:masterClrMapping/>
@@ -4224,13 +3803,7 @@
       </p:grpSpPr>
       <p:sp>
         <p:nvSpPr>
-          <p:cNvPr id="2" name="标题 1">
-            <a:extLst>
-              <a:ext uri="{FF2B5EF4-FFF2-40B4-BE49-F238E27FC236}">
-                <a16:creationId xmlns:a16="http://schemas.microsoft.com/office/drawing/2014/main" id="{B8F80B2C-BFAB-48FF-B101-A0270BE1713A}"/>
-              </a:ext>
-            </a:extLst>
-          </p:cNvPr>
+          <p:cNvPr id="2" name="标题 1"/>
           <p:cNvSpPr>
             <a:spLocks noGrp="1"/>
           </p:cNvSpPr>
@@ -4256,18 +3829,13 @@
               <a:rPr lang="zh-CN" altLang="en-US"/>
               <a:t>单击此处编辑母版标题样式</a:t>
             </a:r>
+            <a:endParaRPr lang="zh-CN" altLang="en-US"/>
           </a:p>
         </p:txBody>
       </p:sp>
       <p:sp>
         <p:nvSpPr>
-          <p:cNvPr id="3" name="图片占位符 2">
-            <a:extLst>
-              <a:ext uri="{FF2B5EF4-FFF2-40B4-BE49-F238E27FC236}">
-                <a16:creationId xmlns:a16="http://schemas.microsoft.com/office/drawing/2014/main" id="{77D71463-1CFF-4DCA-BD30-6EF96FADC7B4}"/>
-              </a:ext>
-            </a:extLst>
-          </p:cNvPr>
+          <p:cNvPr id="3" name="图片占位符 2"/>
           <p:cNvSpPr>
             <a:spLocks noGrp="1"/>
           </p:cNvSpPr>
@@ -4328,18 +3896,12 @@
       </p:sp>
       <p:sp>
         <p:nvSpPr>
-          <p:cNvPr id="4" name="文本占位符 3">
-            <a:extLst>
-              <a:ext uri="{FF2B5EF4-FFF2-40B4-BE49-F238E27FC236}">
-                <a16:creationId xmlns:a16="http://schemas.microsoft.com/office/drawing/2014/main" id="{841AF1CA-7E60-4770-A82D-60F9E03AE1FA}"/>
-              </a:ext>
-            </a:extLst>
-          </p:cNvPr>
+          <p:cNvPr id="4" name="文本占位符 3"/>
           <p:cNvSpPr>
             <a:spLocks noGrp="1"/>
           </p:cNvSpPr>
           <p:nvPr>
-            <p:ph type="body" sz="half" idx="2"/>
+            <p:ph type="body" sz="half" idx="2" hasCustomPrompt="1"/>
           </p:nvPr>
         </p:nvSpPr>
         <p:spPr>
@@ -4394,18 +3956,13 @@
               <a:rPr lang="zh-CN" altLang="en-US"/>
               <a:t>编辑母版文本样式</a:t>
             </a:r>
+            <a:endParaRPr lang="zh-CN" altLang="en-US"/>
           </a:p>
         </p:txBody>
       </p:sp>
       <p:sp>
         <p:nvSpPr>
-          <p:cNvPr id="5" name="日期占位符 4">
-            <a:extLst>
-              <a:ext uri="{FF2B5EF4-FFF2-40B4-BE49-F238E27FC236}">
-                <a16:creationId xmlns:a16="http://schemas.microsoft.com/office/drawing/2014/main" id="{7140618D-C415-4B1B-B917-5A3A0F9189D6}"/>
-              </a:ext>
-            </a:extLst>
-          </p:cNvPr>
+          <p:cNvPr id="5" name="日期占位符 4"/>
           <p:cNvSpPr>
             <a:spLocks noGrp="1"/>
           </p:cNvSpPr>
@@ -4420,7 +3977,6 @@
           <a:p>
             <a:fld id="{CCA087C5-6DBF-488C-AE10-CBC1E42CD670}" type="datetimeFigureOut">
               <a:rPr lang="zh-CN" altLang="en-US" smtClean="0"/>
-              <a:t>2019/1/29</a:t>
             </a:fld>
             <a:endParaRPr lang="zh-CN" altLang="en-US"/>
           </a:p>
@@ -4428,13 +3984,7 @@
       </p:sp>
       <p:sp>
         <p:nvSpPr>
-          <p:cNvPr id="6" name="页脚占位符 5">
-            <a:extLst>
-              <a:ext uri="{FF2B5EF4-FFF2-40B4-BE49-F238E27FC236}">
-                <a16:creationId xmlns:a16="http://schemas.microsoft.com/office/drawing/2014/main" id="{6BAA9525-1AE5-447A-927C-339D9F35C5AF}"/>
-              </a:ext>
-            </a:extLst>
-          </p:cNvPr>
+          <p:cNvPr id="6" name="页脚占位符 5"/>
           <p:cNvSpPr>
             <a:spLocks noGrp="1"/>
           </p:cNvSpPr>
@@ -4453,13 +4003,7 @@
       </p:sp>
       <p:sp>
         <p:nvSpPr>
-          <p:cNvPr id="7" name="灯片编号占位符 6">
-            <a:extLst>
-              <a:ext uri="{FF2B5EF4-FFF2-40B4-BE49-F238E27FC236}">
-                <a16:creationId xmlns:a16="http://schemas.microsoft.com/office/drawing/2014/main" id="{370C264C-010E-45F6-9179-470BFF3C0FD0}"/>
-              </a:ext>
-            </a:extLst>
-          </p:cNvPr>
+          <p:cNvPr id="7" name="灯片编号占位符 6"/>
           <p:cNvSpPr>
             <a:spLocks noGrp="1"/>
           </p:cNvSpPr>
@@ -4474,18 +4018,12 @@
           <a:p>
             <a:fld id="{0367427E-6965-4C1F-9B96-9EAA198652BD}" type="slidenum">
               <a:rPr lang="zh-CN" altLang="en-US" smtClean="0"/>
-              <a:t>‹#›</a:t>
             </a:fld>
             <a:endParaRPr lang="zh-CN" altLang="en-US"/>
           </a:p>
         </p:txBody>
       </p:sp>
     </p:spTree>
-    <p:extLst>
-      <p:ext uri="{BB962C8B-B14F-4D97-AF65-F5344CB8AC3E}">
-        <p14:creationId xmlns:p14="http://schemas.microsoft.com/office/powerpoint/2010/main" val="1670526921"/>
-      </p:ext>
-    </p:extLst>
   </p:cSld>
   <p:clrMapOvr>
     <a:masterClrMapping/>
@@ -4530,13 +4068,7 @@
       </p:grpSpPr>
       <p:sp>
         <p:nvSpPr>
-          <p:cNvPr id="2" name="标题占位符 1">
-            <a:extLst>
-              <a:ext uri="{FF2B5EF4-FFF2-40B4-BE49-F238E27FC236}">
-                <a16:creationId xmlns:a16="http://schemas.microsoft.com/office/drawing/2014/main" id="{5D0C92D1-8FD1-40C5-80CB-9126349045A2}"/>
-              </a:ext>
-            </a:extLst>
-          </p:cNvPr>
+          <p:cNvPr id="2" name="标题占位符 1"/>
           <p:cNvSpPr>
             <a:spLocks noGrp="1"/>
           </p:cNvSpPr>
@@ -4563,18 +4095,13 @@
               <a:rPr lang="zh-CN" altLang="en-US"/>
               <a:t>单击此处编辑母版标题样式</a:t>
             </a:r>
+            <a:endParaRPr lang="zh-CN" altLang="en-US"/>
           </a:p>
         </p:txBody>
       </p:sp>
       <p:sp>
         <p:nvSpPr>
-          <p:cNvPr id="3" name="文本占位符 2">
-            <a:extLst>
-              <a:ext uri="{FF2B5EF4-FFF2-40B4-BE49-F238E27FC236}">
-                <a16:creationId xmlns:a16="http://schemas.microsoft.com/office/drawing/2014/main" id="{EFFD41DD-F8F1-48A7-B910-20A205CB0F77}"/>
-              </a:ext>
-            </a:extLst>
-          </p:cNvPr>
+          <p:cNvPr id="3" name="文本占位符 2"/>
           <p:cNvSpPr>
             <a:spLocks noGrp="1"/>
           </p:cNvSpPr>
@@ -4602,6 +4129,7 @@
               <a:rPr lang="zh-CN" altLang="en-US"/>
               <a:t>编辑母版文本样式</a:t>
             </a:r>
+            <a:endParaRPr lang="zh-CN" altLang="en-US"/>
           </a:p>
           <a:p>
             <a:pPr lvl="1"/>
@@ -4609,6 +4137,7 @@
               <a:rPr lang="zh-CN" altLang="en-US"/>
               <a:t>第二级</a:t>
             </a:r>
+            <a:endParaRPr lang="zh-CN" altLang="en-US"/>
           </a:p>
           <a:p>
             <a:pPr lvl="2"/>
@@ -4616,6 +4145,7 @@
               <a:rPr lang="zh-CN" altLang="en-US"/>
               <a:t>第三级</a:t>
             </a:r>
+            <a:endParaRPr lang="zh-CN" altLang="en-US"/>
           </a:p>
           <a:p>
             <a:pPr lvl="3"/>
@@ -4623,6 +4153,7 @@
               <a:rPr lang="zh-CN" altLang="en-US"/>
               <a:t>第四级</a:t>
             </a:r>
+            <a:endParaRPr lang="zh-CN" altLang="en-US"/>
           </a:p>
           <a:p>
             <a:pPr lvl="4"/>
@@ -4630,18 +4161,13 @@
               <a:rPr lang="zh-CN" altLang="en-US"/>
               <a:t>第五级</a:t>
             </a:r>
+            <a:endParaRPr lang="zh-CN" altLang="en-US"/>
           </a:p>
         </p:txBody>
       </p:sp>
       <p:sp>
         <p:nvSpPr>
-          <p:cNvPr id="4" name="日期占位符 3">
-            <a:extLst>
-              <a:ext uri="{FF2B5EF4-FFF2-40B4-BE49-F238E27FC236}">
-                <a16:creationId xmlns:a16="http://schemas.microsoft.com/office/drawing/2014/main" id="{FCC2F899-1A10-4FAE-B4A8-C050882F478A}"/>
-              </a:ext>
-            </a:extLst>
-          </p:cNvPr>
+          <p:cNvPr id="4" name="日期占位符 3"/>
           <p:cNvSpPr>
             <a:spLocks noGrp="1"/>
           </p:cNvSpPr>
@@ -4674,7 +4200,6 @@
           <a:p>
             <a:fld id="{CCA087C5-6DBF-488C-AE10-CBC1E42CD670}" type="datetimeFigureOut">
               <a:rPr lang="zh-CN" altLang="en-US" smtClean="0"/>
-              <a:t>2019/1/29</a:t>
             </a:fld>
             <a:endParaRPr lang="zh-CN" altLang="en-US"/>
           </a:p>
@@ -4682,13 +4207,7 @@
       </p:sp>
       <p:sp>
         <p:nvSpPr>
-          <p:cNvPr id="5" name="页脚占位符 4">
-            <a:extLst>
-              <a:ext uri="{FF2B5EF4-FFF2-40B4-BE49-F238E27FC236}">
-                <a16:creationId xmlns:a16="http://schemas.microsoft.com/office/drawing/2014/main" id="{C8EB747A-3551-484D-B713-7A9103CC5474}"/>
-              </a:ext>
-            </a:extLst>
-          </p:cNvPr>
+          <p:cNvPr id="5" name="页脚占位符 4"/>
           <p:cNvSpPr>
             <a:spLocks noGrp="1"/>
           </p:cNvSpPr>
@@ -4725,13 +4244,7 @@
       </p:sp>
       <p:sp>
         <p:nvSpPr>
-          <p:cNvPr id="6" name="灯片编号占位符 5">
-            <a:extLst>
-              <a:ext uri="{FF2B5EF4-FFF2-40B4-BE49-F238E27FC236}">
-                <a16:creationId xmlns:a16="http://schemas.microsoft.com/office/drawing/2014/main" id="{A680E9FD-B05F-40E6-8FC8-C5F4971F176F}"/>
-              </a:ext>
-            </a:extLst>
-          </p:cNvPr>
+          <p:cNvPr id="6" name="灯片编号占位符 5"/>
           <p:cNvSpPr>
             <a:spLocks noGrp="1"/>
           </p:cNvSpPr>
@@ -4764,18 +4277,12 @@
           <a:p>
             <a:fld id="{0367427E-6965-4C1F-9B96-9EAA198652BD}" type="slidenum">
               <a:rPr lang="zh-CN" altLang="en-US" smtClean="0"/>
-              <a:t>‹#›</a:t>
             </a:fld>
             <a:endParaRPr lang="zh-CN" altLang="en-US"/>
           </a:p>
         </p:txBody>
       </p:sp>
     </p:spTree>
-    <p:extLst>
-      <p:ext uri="{BB962C8B-B14F-4D97-AF65-F5344CB8AC3E}">
-        <p14:creationId xmlns:p14="http://schemas.microsoft.com/office/powerpoint/2010/main" val="2844339116"/>
-      </p:ext>
-    </p:extLst>
   </p:cSld>
   <p:clrMap bg1="lt1" tx1="dk1" bg2="lt2" tx2="dk2" accent1="accent1" accent2="accent2" accent3="accent3" accent4="accent4" accent5="accent5" accent6="accent6" hlink="hlink" folHlink="folHlink"/>
   <p:sldLayoutIdLst>
@@ -5111,33 +4618,21 @@
       </p:grpSpPr>
       <p:grpSp>
         <p:nvGrpSpPr>
-          <p:cNvPr id="12" name="组合 11">
-            <a:extLst>
-              <a:ext uri="{FF2B5EF4-FFF2-40B4-BE49-F238E27FC236}">
-                <a16:creationId xmlns:a16="http://schemas.microsoft.com/office/drawing/2014/main" id="{D6000263-E9DD-4AC7-A616-C0C246340DFE}"/>
-              </a:ext>
-            </a:extLst>
-          </p:cNvPr>
+          <p:cNvPr id="12" name="组合 11"/>
           <p:cNvGrpSpPr/>
           <p:nvPr/>
         </p:nvGrpSpPr>
         <p:grpSpPr>
           <a:xfrm>
             <a:off x="4494448" y="1197161"/>
-            <a:ext cx="7109640" cy="4065244"/>
+            <a:ext cx="7109640" cy="4064589"/>
             <a:chOff x="2716465" y="2198646"/>
-            <a:chExt cx="7109640" cy="4065244"/>
+            <a:chExt cx="7109640" cy="4064589"/>
           </a:xfrm>
         </p:grpSpPr>
         <p:sp>
           <p:nvSpPr>
-            <p:cNvPr id="14" name="PA_文本框 11">
-              <a:extLst>
-                <a:ext uri="{FF2B5EF4-FFF2-40B4-BE49-F238E27FC236}">
-                  <a16:creationId xmlns:a16="http://schemas.microsoft.com/office/drawing/2014/main" id="{EDB0BCC6-23B9-4791-B4EF-7E4FCE5305BE}"/>
-                </a:ext>
-              </a:extLst>
-            </p:cNvPr>
+            <p:cNvPr id="14" name="PA_文本框 11"/>
             <p:cNvSpPr txBox="1"/>
             <p:nvPr>
               <p:custDataLst>
@@ -5208,13 +4703,7 @@
         </p:sp>
         <p:sp>
           <p:nvSpPr>
-            <p:cNvPr id="16" name="PA_文本框 29">
-              <a:extLst>
-                <a:ext uri="{FF2B5EF4-FFF2-40B4-BE49-F238E27FC236}">
-                  <a16:creationId xmlns:a16="http://schemas.microsoft.com/office/drawing/2014/main" id="{3D504F59-BEDB-4DA9-9210-81BA2501E694}"/>
-                </a:ext>
-              </a:extLst>
-            </p:cNvPr>
+            <p:cNvPr id="16" name="PA_文本框 29"/>
             <p:cNvSpPr txBox="1"/>
             <p:nvPr>
               <p:custDataLst>
@@ -5224,8 +4713,8 @@
           </p:nvSpPr>
           <p:spPr>
             <a:xfrm>
-              <a:off x="6894258" y="5340560"/>
-              <a:ext cx="2931847" cy="923330"/>
+              <a:off x="6894258" y="5341215"/>
+              <a:ext cx="2931847" cy="922020"/>
             </a:xfrm>
             <a:prstGeom prst="rect">
               <a:avLst/>
@@ -5261,7 +4750,7 @@
                   <a:latin typeface="+mn-ea"/>
                   <a:sym typeface="iekie-Weilaiti" panose="02010601030101010101" pitchFamily="2" charset="-128"/>
                 </a:rPr>
-                <a:t>：解经纬</a:t>
+                <a:t>：解经纬，李晓蕾</a:t>
               </a:r>
               <a:endParaRPr lang="en-US" altLang="zh-CN" dirty="0">
                 <a:solidFill>
@@ -5323,13 +4812,7 @@
         </p:sp>
         <p:sp>
           <p:nvSpPr>
-            <p:cNvPr id="17" name="PA_文本框 11">
-              <a:extLst>
-                <a:ext uri="{FF2B5EF4-FFF2-40B4-BE49-F238E27FC236}">
-                  <a16:creationId xmlns:a16="http://schemas.microsoft.com/office/drawing/2014/main" id="{15144238-EF41-4A3E-89DB-603B09422A17}"/>
-                </a:ext>
-              </a:extLst>
-            </p:cNvPr>
+            <p:cNvPr id="17" name="PA_文本框 11"/>
             <p:cNvSpPr txBox="1"/>
             <p:nvPr>
               <p:custDataLst>
@@ -5367,22 +4850,20 @@
         </p:sp>
       </p:grpSp>
     </p:spTree>
-    <p:extLst>
-      <p:ext uri="{BB962C8B-B14F-4D97-AF65-F5344CB8AC3E}">
-        <p14:creationId xmlns:p14="http://schemas.microsoft.com/office/powerpoint/2010/main" val="2449712129"/>
-      </p:ext>
-    </p:extLst>
+    <p:custDataLst>
+      <p:tags r:id="rId4"/>
+    </p:custDataLst>
   </p:cSld>
   <p:clrMapOvr>
     <a:masterClrMapping/>
   </p:clrMapOvr>
-  <mc:AlternateContent xmlns:mc="http://schemas.openxmlformats.org/markup-compatibility/2006" xmlns:p14="http://schemas.microsoft.com/office/powerpoint/2010/main">
-    <mc:Choice Requires="p14">
+  <mc:AlternateContent xmlns:mc="http://schemas.openxmlformats.org/markup-compatibility/2006">
+    <mc:Choice xmlns:p14="http://schemas.microsoft.com/office/powerpoint/2010/main" Requires="p14">
       <p:transition spd="slow" p14:dur="1250">
         <p:split orient="vert"/>
       </p:transition>
     </mc:Choice>
-    <mc:Fallback xmlns="">
+    <mc:Fallback>
       <p:transition spd="slow">
         <p:split orient="vert"/>
       </p:transition>
@@ -5417,13 +4898,7 @@
       </p:grpSpPr>
       <p:grpSp>
         <p:nvGrpSpPr>
-          <p:cNvPr id="32" name="组合 31">
-            <a:extLst>
-              <a:ext uri="{FF2B5EF4-FFF2-40B4-BE49-F238E27FC236}">
-                <a16:creationId xmlns:a16="http://schemas.microsoft.com/office/drawing/2014/main" id="{B9783265-ABBD-4002-BFAC-66A0B5A71420}"/>
-              </a:ext>
-            </a:extLst>
-          </p:cNvPr>
+          <p:cNvPr id="32" name="组合 31"/>
           <p:cNvGrpSpPr/>
           <p:nvPr/>
         </p:nvGrpSpPr>
@@ -5437,13 +4912,7 @@
         </p:grpSpPr>
         <p:cxnSp>
           <p:nvCxnSpPr>
-            <p:cNvPr id="34" name="直接连接符 3">
-              <a:extLst>
-                <a:ext uri="{FF2B5EF4-FFF2-40B4-BE49-F238E27FC236}">
-                  <a16:creationId xmlns:a16="http://schemas.microsoft.com/office/drawing/2014/main" id="{7A76B693-65E1-4A97-A7D0-021E6CA86F46}"/>
-                </a:ext>
-              </a:extLst>
-            </p:cNvPr>
+            <p:cNvPr id="34" name="直接连接符 3"/>
             <p:cNvCxnSpPr/>
             <p:nvPr/>
           </p:nvCxnSpPr>
@@ -5478,13 +4947,7 @@
         </p:cxnSp>
         <p:cxnSp>
           <p:nvCxnSpPr>
-            <p:cNvPr id="35" name="直接连接符 4">
-              <a:extLst>
-                <a:ext uri="{FF2B5EF4-FFF2-40B4-BE49-F238E27FC236}">
-                  <a16:creationId xmlns:a16="http://schemas.microsoft.com/office/drawing/2014/main" id="{FC38E9EC-7723-4D1F-B699-96327E9622D1}"/>
-                </a:ext>
-              </a:extLst>
-            </p:cNvPr>
+            <p:cNvPr id="35" name="直接连接符 4"/>
             <p:cNvCxnSpPr/>
             <p:nvPr/>
           </p:nvCxnSpPr>
@@ -5557,7 +5020,7 @@
           <p:nvPr/>
         </p:nvPicPr>
         <p:blipFill>
-          <a:blip r:embed="rId3"/>
+          <a:blip r:embed="rId1"/>
           <a:stretch>
             <a:fillRect/>
           </a:stretch>
@@ -5573,11 +5036,6 @@
         </p:spPr>
       </p:pic>
     </p:spTree>
-    <p:extLst>
-      <p:ext uri="{BB962C8B-B14F-4D97-AF65-F5344CB8AC3E}">
-        <p14:creationId xmlns:p14="http://schemas.microsoft.com/office/powerpoint/2010/main" val="1007839129"/>
-      </p:ext>
-    </p:extLst>
   </p:cSld>
   <p:clrMapOvr>
     <a:masterClrMapping/>
@@ -5614,13 +5072,7 @@
       </p:grpSpPr>
       <p:grpSp>
         <p:nvGrpSpPr>
-          <p:cNvPr id="32" name="组合 31">
-            <a:extLst>
-              <a:ext uri="{FF2B5EF4-FFF2-40B4-BE49-F238E27FC236}">
-                <a16:creationId xmlns:a16="http://schemas.microsoft.com/office/drawing/2014/main" id="{B9783265-ABBD-4002-BFAC-66A0B5A71420}"/>
-              </a:ext>
-            </a:extLst>
-          </p:cNvPr>
+          <p:cNvPr id="32" name="组合 31"/>
           <p:cNvGrpSpPr/>
           <p:nvPr/>
         </p:nvGrpSpPr>
@@ -5634,13 +5086,7 @@
         </p:grpSpPr>
         <p:cxnSp>
           <p:nvCxnSpPr>
-            <p:cNvPr id="34" name="直接连接符 3">
-              <a:extLst>
-                <a:ext uri="{FF2B5EF4-FFF2-40B4-BE49-F238E27FC236}">
-                  <a16:creationId xmlns:a16="http://schemas.microsoft.com/office/drawing/2014/main" id="{7A76B693-65E1-4A97-A7D0-021E6CA86F46}"/>
-                </a:ext>
-              </a:extLst>
-            </p:cNvPr>
+            <p:cNvPr id="34" name="直接连接符 3"/>
             <p:cNvCxnSpPr/>
             <p:nvPr/>
           </p:nvCxnSpPr>
@@ -5675,13 +5121,7 @@
         </p:cxnSp>
         <p:cxnSp>
           <p:nvCxnSpPr>
-            <p:cNvPr id="35" name="直接连接符 4">
-              <a:extLst>
-                <a:ext uri="{FF2B5EF4-FFF2-40B4-BE49-F238E27FC236}">
-                  <a16:creationId xmlns:a16="http://schemas.microsoft.com/office/drawing/2014/main" id="{FC38E9EC-7723-4D1F-B699-96327E9622D1}"/>
-                </a:ext>
-              </a:extLst>
-            </p:cNvPr>
+            <p:cNvPr id="35" name="直接连接符 4"/>
             <p:cNvCxnSpPr/>
             <p:nvPr/>
           </p:nvCxnSpPr>
@@ -5754,7 +5194,7 @@
           <p:nvPr/>
         </p:nvPicPr>
         <p:blipFill>
-          <a:blip r:embed="rId3"/>
+          <a:blip r:embed="rId1"/>
           <a:stretch>
             <a:fillRect/>
           </a:stretch>
@@ -5770,11 +5210,6 @@
         </p:spPr>
       </p:pic>
     </p:spTree>
-    <p:extLst>
-      <p:ext uri="{BB962C8B-B14F-4D97-AF65-F5344CB8AC3E}">
-        <p14:creationId xmlns:p14="http://schemas.microsoft.com/office/powerpoint/2010/main" val="967942245"/>
-      </p:ext>
-    </p:extLst>
   </p:cSld>
   <p:clrMapOvr>
     <a:masterClrMapping/>
@@ -5811,13 +5246,7 @@
       </p:grpSpPr>
       <p:grpSp>
         <p:nvGrpSpPr>
-          <p:cNvPr id="32" name="组合 31">
-            <a:extLst>
-              <a:ext uri="{FF2B5EF4-FFF2-40B4-BE49-F238E27FC236}">
-                <a16:creationId xmlns:a16="http://schemas.microsoft.com/office/drawing/2014/main" id="{B9783265-ABBD-4002-BFAC-66A0B5A71420}"/>
-              </a:ext>
-            </a:extLst>
-          </p:cNvPr>
+          <p:cNvPr id="32" name="组合 31"/>
           <p:cNvGrpSpPr/>
           <p:nvPr/>
         </p:nvGrpSpPr>
@@ -5831,13 +5260,7 @@
         </p:grpSpPr>
         <p:cxnSp>
           <p:nvCxnSpPr>
-            <p:cNvPr id="34" name="直接连接符 3">
-              <a:extLst>
-                <a:ext uri="{FF2B5EF4-FFF2-40B4-BE49-F238E27FC236}">
-                  <a16:creationId xmlns:a16="http://schemas.microsoft.com/office/drawing/2014/main" id="{7A76B693-65E1-4A97-A7D0-021E6CA86F46}"/>
-                </a:ext>
-              </a:extLst>
-            </p:cNvPr>
+            <p:cNvPr id="34" name="直接连接符 3"/>
             <p:cNvCxnSpPr/>
             <p:nvPr/>
           </p:nvCxnSpPr>
@@ -5872,13 +5295,7 @@
         </p:cxnSp>
         <p:cxnSp>
           <p:nvCxnSpPr>
-            <p:cNvPr id="35" name="直接连接符 4">
-              <a:extLst>
-                <a:ext uri="{FF2B5EF4-FFF2-40B4-BE49-F238E27FC236}">
-                  <a16:creationId xmlns:a16="http://schemas.microsoft.com/office/drawing/2014/main" id="{FC38E9EC-7723-4D1F-B699-96327E9622D1}"/>
-                </a:ext>
-              </a:extLst>
-            </p:cNvPr>
+            <p:cNvPr id="35" name="直接连接符 4"/>
             <p:cNvCxnSpPr/>
             <p:nvPr/>
           </p:nvCxnSpPr>
@@ -5951,7 +5368,7 @@
           <p:nvPr/>
         </p:nvPicPr>
         <p:blipFill>
-          <a:blip r:embed="rId3"/>
+          <a:blip r:embed="rId1"/>
           <a:stretch>
             <a:fillRect/>
           </a:stretch>
@@ -5967,11 +5384,6 @@
         </p:spPr>
       </p:pic>
     </p:spTree>
-    <p:extLst>
-      <p:ext uri="{BB962C8B-B14F-4D97-AF65-F5344CB8AC3E}">
-        <p14:creationId xmlns:p14="http://schemas.microsoft.com/office/powerpoint/2010/main" val="1077069644"/>
-      </p:ext>
-    </p:extLst>
   </p:cSld>
   <p:clrMapOvr>
     <a:masterClrMapping/>
@@ -6008,13 +5420,7 @@
       </p:grpSpPr>
       <p:grpSp>
         <p:nvGrpSpPr>
-          <p:cNvPr id="32" name="组合 31">
-            <a:extLst>
-              <a:ext uri="{FF2B5EF4-FFF2-40B4-BE49-F238E27FC236}">
-                <a16:creationId xmlns:a16="http://schemas.microsoft.com/office/drawing/2014/main" id="{B9783265-ABBD-4002-BFAC-66A0B5A71420}"/>
-              </a:ext>
-            </a:extLst>
-          </p:cNvPr>
+          <p:cNvPr id="32" name="组合 31"/>
           <p:cNvGrpSpPr/>
           <p:nvPr/>
         </p:nvGrpSpPr>
@@ -6028,13 +5434,7 @@
         </p:grpSpPr>
         <p:cxnSp>
           <p:nvCxnSpPr>
-            <p:cNvPr id="34" name="直接连接符 3">
-              <a:extLst>
-                <a:ext uri="{FF2B5EF4-FFF2-40B4-BE49-F238E27FC236}">
-                  <a16:creationId xmlns:a16="http://schemas.microsoft.com/office/drawing/2014/main" id="{7A76B693-65E1-4A97-A7D0-021E6CA86F46}"/>
-                </a:ext>
-              </a:extLst>
-            </p:cNvPr>
+            <p:cNvPr id="34" name="直接连接符 3"/>
             <p:cNvCxnSpPr/>
             <p:nvPr/>
           </p:nvCxnSpPr>
@@ -6069,13 +5469,7 @@
         </p:cxnSp>
         <p:cxnSp>
           <p:nvCxnSpPr>
-            <p:cNvPr id="35" name="直接连接符 4">
-              <a:extLst>
-                <a:ext uri="{FF2B5EF4-FFF2-40B4-BE49-F238E27FC236}">
-                  <a16:creationId xmlns:a16="http://schemas.microsoft.com/office/drawing/2014/main" id="{FC38E9EC-7723-4D1F-B699-96327E9622D1}"/>
-                </a:ext>
-              </a:extLst>
-            </p:cNvPr>
+            <p:cNvPr id="35" name="直接连接符 4"/>
             <p:cNvCxnSpPr/>
             <p:nvPr/>
           </p:nvCxnSpPr>
@@ -6148,7 +5542,7 @@
           <p:nvPr/>
         </p:nvPicPr>
         <p:blipFill>
-          <a:blip r:embed="rId3"/>
+          <a:blip r:embed="rId1"/>
           <a:stretch>
             <a:fillRect/>
           </a:stretch>
@@ -6164,11 +5558,6 @@
         </p:spPr>
       </p:pic>
     </p:spTree>
-    <p:extLst>
-      <p:ext uri="{BB962C8B-B14F-4D97-AF65-F5344CB8AC3E}">
-        <p14:creationId xmlns:p14="http://schemas.microsoft.com/office/powerpoint/2010/main" val="1134585008"/>
-      </p:ext>
-    </p:extLst>
   </p:cSld>
   <p:clrMapOvr>
     <a:masterClrMapping/>
@@ -6205,13 +5594,7 @@
       </p:grpSpPr>
       <p:grpSp>
         <p:nvGrpSpPr>
-          <p:cNvPr id="32" name="组合 31">
-            <a:extLst>
-              <a:ext uri="{FF2B5EF4-FFF2-40B4-BE49-F238E27FC236}">
-                <a16:creationId xmlns:a16="http://schemas.microsoft.com/office/drawing/2014/main" id="{B9783265-ABBD-4002-BFAC-66A0B5A71420}"/>
-              </a:ext>
-            </a:extLst>
-          </p:cNvPr>
+          <p:cNvPr id="32" name="组合 31"/>
           <p:cNvGrpSpPr/>
           <p:nvPr/>
         </p:nvGrpSpPr>
@@ -6225,13 +5608,7 @@
         </p:grpSpPr>
         <p:cxnSp>
           <p:nvCxnSpPr>
-            <p:cNvPr id="34" name="直接连接符 3">
-              <a:extLst>
-                <a:ext uri="{FF2B5EF4-FFF2-40B4-BE49-F238E27FC236}">
-                  <a16:creationId xmlns:a16="http://schemas.microsoft.com/office/drawing/2014/main" id="{7A76B693-65E1-4A97-A7D0-021E6CA86F46}"/>
-                </a:ext>
-              </a:extLst>
-            </p:cNvPr>
+            <p:cNvPr id="34" name="直接连接符 3"/>
             <p:cNvCxnSpPr/>
             <p:nvPr/>
           </p:nvCxnSpPr>
@@ -6266,13 +5643,7 @@
         </p:cxnSp>
         <p:cxnSp>
           <p:nvCxnSpPr>
-            <p:cNvPr id="35" name="直接连接符 4">
-              <a:extLst>
-                <a:ext uri="{FF2B5EF4-FFF2-40B4-BE49-F238E27FC236}">
-                  <a16:creationId xmlns:a16="http://schemas.microsoft.com/office/drawing/2014/main" id="{FC38E9EC-7723-4D1F-B699-96327E9622D1}"/>
-                </a:ext>
-              </a:extLst>
-            </p:cNvPr>
+            <p:cNvPr id="35" name="直接连接符 4"/>
             <p:cNvCxnSpPr/>
             <p:nvPr/>
           </p:nvCxnSpPr>
@@ -6330,11 +5701,7 @@
           <a:p>
             <a:r>
               <a:rPr lang="zh-CN" altLang="en-US" dirty="0" smtClean="0"/>
-              <a:t>私信界面</a:t>
-            </a:r>
-            <a:r>
-              <a:rPr lang="zh-CN" altLang="en-US" dirty="0" smtClean="0"/>
-              <a:t>：</a:t>
+              <a:t>私信界面：</a:t>
             </a:r>
             <a:endParaRPr lang="zh-CN" altLang="en-US" dirty="0"/>
           </a:p>
@@ -6349,7 +5716,7 @@
           <p:nvPr/>
         </p:nvPicPr>
         <p:blipFill>
-          <a:blip r:embed="rId3"/>
+          <a:blip r:embed="rId1"/>
           <a:stretch>
             <a:fillRect/>
           </a:stretch>
@@ -6365,11 +5732,6 @@
         </p:spPr>
       </p:pic>
     </p:spTree>
-    <p:extLst>
-      <p:ext uri="{BB962C8B-B14F-4D97-AF65-F5344CB8AC3E}">
-        <p14:creationId xmlns:p14="http://schemas.microsoft.com/office/powerpoint/2010/main" val="3913046319"/>
-      </p:ext>
-    </p:extLst>
   </p:cSld>
   <p:clrMapOvr>
     <a:masterClrMapping/>
@@ -6406,13 +5768,7 @@
       </p:grpSpPr>
       <p:grpSp>
         <p:nvGrpSpPr>
-          <p:cNvPr id="32" name="组合 31">
-            <a:extLst>
-              <a:ext uri="{FF2B5EF4-FFF2-40B4-BE49-F238E27FC236}">
-                <a16:creationId xmlns:a16="http://schemas.microsoft.com/office/drawing/2014/main" id="{B9783265-ABBD-4002-BFAC-66A0B5A71420}"/>
-              </a:ext>
-            </a:extLst>
-          </p:cNvPr>
+          <p:cNvPr id="32" name="组合 31"/>
           <p:cNvGrpSpPr/>
           <p:nvPr/>
         </p:nvGrpSpPr>
@@ -6426,13 +5782,7 @@
         </p:grpSpPr>
         <p:cxnSp>
           <p:nvCxnSpPr>
-            <p:cNvPr id="34" name="直接连接符 3">
-              <a:extLst>
-                <a:ext uri="{FF2B5EF4-FFF2-40B4-BE49-F238E27FC236}">
-                  <a16:creationId xmlns:a16="http://schemas.microsoft.com/office/drawing/2014/main" id="{7A76B693-65E1-4A97-A7D0-021E6CA86F46}"/>
-                </a:ext>
-              </a:extLst>
-            </p:cNvPr>
+            <p:cNvPr id="34" name="直接连接符 3"/>
             <p:cNvCxnSpPr/>
             <p:nvPr/>
           </p:nvCxnSpPr>
@@ -6467,13 +5817,7 @@
         </p:cxnSp>
         <p:cxnSp>
           <p:nvCxnSpPr>
-            <p:cNvPr id="35" name="直接连接符 4">
-              <a:extLst>
-                <a:ext uri="{FF2B5EF4-FFF2-40B4-BE49-F238E27FC236}">
-                  <a16:creationId xmlns:a16="http://schemas.microsoft.com/office/drawing/2014/main" id="{FC38E9EC-7723-4D1F-B699-96327E9622D1}"/>
-                </a:ext>
-              </a:extLst>
-            </p:cNvPr>
+            <p:cNvPr id="35" name="直接连接符 4"/>
             <p:cNvCxnSpPr/>
             <p:nvPr/>
           </p:nvCxnSpPr>
@@ -6546,7 +5890,7 @@
           <p:nvPr/>
         </p:nvPicPr>
         <p:blipFill>
-          <a:blip r:embed="rId3"/>
+          <a:blip r:embed="rId1"/>
           <a:stretch>
             <a:fillRect/>
           </a:stretch>
@@ -6570,7 +5914,7 @@
           <p:nvPr/>
         </p:nvPicPr>
         <p:blipFill>
-          <a:blip r:embed="rId4"/>
+          <a:blip r:embed="rId2"/>
           <a:stretch>
             <a:fillRect/>
           </a:stretch>
@@ -6586,11 +5930,6 @@
         </p:spPr>
       </p:pic>
     </p:spTree>
-    <p:extLst>
-      <p:ext uri="{BB962C8B-B14F-4D97-AF65-F5344CB8AC3E}">
-        <p14:creationId xmlns:p14="http://schemas.microsoft.com/office/powerpoint/2010/main" val="1805652030"/>
-      </p:ext>
-    </p:extLst>
   </p:cSld>
   <p:clrMapOvr>
     <a:masterClrMapping/>
@@ -6627,13 +5966,7 @@
       </p:grpSpPr>
       <p:grpSp>
         <p:nvGrpSpPr>
-          <p:cNvPr id="32" name="组合 31">
-            <a:extLst>
-              <a:ext uri="{FF2B5EF4-FFF2-40B4-BE49-F238E27FC236}">
-                <a16:creationId xmlns:a16="http://schemas.microsoft.com/office/drawing/2014/main" id="{B9783265-ABBD-4002-BFAC-66A0B5A71420}"/>
-              </a:ext>
-            </a:extLst>
-          </p:cNvPr>
+          <p:cNvPr id="32" name="组合 31"/>
           <p:cNvGrpSpPr/>
           <p:nvPr/>
         </p:nvGrpSpPr>
@@ -6647,13 +5980,7 @@
         </p:grpSpPr>
         <p:cxnSp>
           <p:nvCxnSpPr>
-            <p:cNvPr id="34" name="直接连接符 3">
-              <a:extLst>
-                <a:ext uri="{FF2B5EF4-FFF2-40B4-BE49-F238E27FC236}">
-                  <a16:creationId xmlns:a16="http://schemas.microsoft.com/office/drawing/2014/main" id="{7A76B693-65E1-4A97-A7D0-021E6CA86F46}"/>
-                </a:ext>
-              </a:extLst>
-            </p:cNvPr>
+            <p:cNvPr id="34" name="直接连接符 3"/>
             <p:cNvCxnSpPr/>
             <p:nvPr/>
           </p:nvCxnSpPr>
@@ -6688,13 +6015,7 @@
         </p:cxnSp>
         <p:cxnSp>
           <p:nvCxnSpPr>
-            <p:cNvPr id="35" name="直接连接符 4">
-              <a:extLst>
-                <a:ext uri="{FF2B5EF4-FFF2-40B4-BE49-F238E27FC236}">
-                  <a16:creationId xmlns:a16="http://schemas.microsoft.com/office/drawing/2014/main" id="{FC38E9EC-7723-4D1F-B699-96327E9622D1}"/>
-                </a:ext>
-              </a:extLst>
-            </p:cNvPr>
+            <p:cNvPr id="35" name="直接连接符 4"/>
             <p:cNvCxnSpPr/>
             <p:nvPr/>
           </p:nvCxnSpPr>
@@ -6752,11 +6073,7 @@
           <a:p>
             <a:r>
               <a:rPr lang="zh-CN" altLang="en-US" dirty="0" smtClean="0"/>
-              <a:t>视频</a:t>
-            </a:r>
-            <a:r>
-              <a:rPr lang="zh-CN" altLang="en-US" dirty="0" smtClean="0"/>
-              <a:t>播放及滑动小屏播放：</a:t>
+              <a:t>视频播放及滑动小屏播放：</a:t>
             </a:r>
             <a:endParaRPr lang="zh-CN" altLang="en-US" dirty="0"/>
           </a:p>
@@ -6771,7 +6088,7 @@
           <p:nvPr/>
         </p:nvPicPr>
         <p:blipFill>
-          <a:blip r:embed="rId3"/>
+          <a:blip r:embed="rId1"/>
           <a:stretch>
             <a:fillRect/>
           </a:stretch>
@@ -6795,7 +6112,7 @@
           <p:nvPr/>
         </p:nvPicPr>
         <p:blipFill>
-          <a:blip r:embed="rId4"/>
+          <a:blip r:embed="rId2"/>
           <a:stretch>
             <a:fillRect/>
           </a:stretch>
@@ -6811,11 +6128,6 @@
         </p:spPr>
       </p:pic>
     </p:spTree>
-    <p:extLst>
-      <p:ext uri="{BB962C8B-B14F-4D97-AF65-F5344CB8AC3E}">
-        <p14:creationId xmlns:p14="http://schemas.microsoft.com/office/powerpoint/2010/main" val="3770476176"/>
-      </p:ext>
-    </p:extLst>
   </p:cSld>
   <p:clrMapOvr>
     <a:masterClrMapping/>
@@ -6852,13 +6164,7 @@
       </p:grpSpPr>
       <p:grpSp>
         <p:nvGrpSpPr>
-          <p:cNvPr id="32" name="组合 31">
-            <a:extLst>
-              <a:ext uri="{FF2B5EF4-FFF2-40B4-BE49-F238E27FC236}">
-                <a16:creationId xmlns:a16="http://schemas.microsoft.com/office/drawing/2014/main" id="{B9783265-ABBD-4002-BFAC-66A0B5A71420}"/>
-              </a:ext>
-            </a:extLst>
-          </p:cNvPr>
+          <p:cNvPr id="32" name="组合 31"/>
           <p:cNvGrpSpPr/>
           <p:nvPr/>
         </p:nvGrpSpPr>
@@ -6872,13 +6178,7 @@
         </p:grpSpPr>
         <p:cxnSp>
           <p:nvCxnSpPr>
-            <p:cNvPr id="34" name="直接连接符 3">
-              <a:extLst>
-                <a:ext uri="{FF2B5EF4-FFF2-40B4-BE49-F238E27FC236}">
-                  <a16:creationId xmlns:a16="http://schemas.microsoft.com/office/drawing/2014/main" id="{7A76B693-65E1-4A97-A7D0-021E6CA86F46}"/>
-                </a:ext>
-              </a:extLst>
-            </p:cNvPr>
+            <p:cNvPr id="34" name="直接连接符 3"/>
             <p:cNvCxnSpPr/>
             <p:nvPr/>
           </p:nvCxnSpPr>
@@ -6913,13 +6213,7 @@
         </p:cxnSp>
         <p:cxnSp>
           <p:nvCxnSpPr>
-            <p:cNvPr id="35" name="直接连接符 4">
-              <a:extLst>
-                <a:ext uri="{FF2B5EF4-FFF2-40B4-BE49-F238E27FC236}">
-                  <a16:creationId xmlns:a16="http://schemas.microsoft.com/office/drawing/2014/main" id="{FC38E9EC-7723-4D1F-B699-96327E9622D1}"/>
-                </a:ext>
-              </a:extLst>
-            </p:cNvPr>
+            <p:cNvPr id="35" name="直接连接符 4"/>
             <p:cNvCxnSpPr/>
             <p:nvPr/>
           </p:nvCxnSpPr>
@@ -6992,7 +6286,7 @@
           <p:nvPr/>
         </p:nvPicPr>
         <p:blipFill>
-          <a:blip r:embed="rId3"/>
+          <a:blip r:embed="rId1"/>
           <a:stretch>
             <a:fillRect/>
           </a:stretch>
@@ -7016,7 +6310,7 @@
           <p:nvPr/>
         </p:nvPicPr>
         <p:blipFill>
-          <a:blip r:embed="rId4"/>
+          <a:blip r:embed="rId2"/>
           <a:stretch>
             <a:fillRect/>
           </a:stretch>
@@ -7032,11 +6326,6 @@
         </p:spPr>
       </p:pic>
     </p:spTree>
-    <p:extLst>
-      <p:ext uri="{BB962C8B-B14F-4D97-AF65-F5344CB8AC3E}">
-        <p14:creationId xmlns:p14="http://schemas.microsoft.com/office/powerpoint/2010/main" val="3415857825"/>
-      </p:ext>
-    </p:extLst>
   </p:cSld>
   <p:clrMapOvr>
     <a:masterClrMapping/>
@@ -7073,13 +6362,7 @@
       </p:grpSpPr>
       <p:grpSp>
         <p:nvGrpSpPr>
-          <p:cNvPr id="32" name="组合 31">
-            <a:extLst>
-              <a:ext uri="{FF2B5EF4-FFF2-40B4-BE49-F238E27FC236}">
-                <a16:creationId xmlns:a16="http://schemas.microsoft.com/office/drawing/2014/main" id="{B9783265-ABBD-4002-BFAC-66A0B5A71420}"/>
-              </a:ext>
-            </a:extLst>
-          </p:cNvPr>
+          <p:cNvPr id="32" name="组合 31"/>
           <p:cNvGrpSpPr/>
           <p:nvPr/>
         </p:nvGrpSpPr>
@@ -7093,13 +6376,7 @@
         </p:grpSpPr>
         <p:cxnSp>
           <p:nvCxnSpPr>
-            <p:cNvPr id="34" name="直接连接符 3">
-              <a:extLst>
-                <a:ext uri="{FF2B5EF4-FFF2-40B4-BE49-F238E27FC236}">
-                  <a16:creationId xmlns:a16="http://schemas.microsoft.com/office/drawing/2014/main" id="{7A76B693-65E1-4A97-A7D0-021E6CA86F46}"/>
-                </a:ext>
-              </a:extLst>
-            </p:cNvPr>
+            <p:cNvPr id="34" name="直接连接符 3"/>
             <p:cNvCxnSpPr/>
             <p:nvPr/>
           </p:nvCxnSpPr>
@@ -7134,13 +6411,7 @@
         </p:cxnSp>
         <p:cxnSp>
           <p:nvCxnSpPr>
-            <p:cNvPr id="35" name="直接连接符 4">
-              <a:extLst>
-                <a:ext uri="{FF2B5EF4-FFF2-40B4-BE49-F238E27FC236}">
-                  <a16:creationId xmlns:a16="http://schemas.microsoft.com/office/drawing/2014/main" id="{FC38E9EC-7723-4D1F-B699-96327E9622D1}"/>
-                </a:ext>
-              </a:extLst>
-            </p:cNvPr>
+            <p:cNvPr id="35" name="直接连接符 4"/>
             <p:cNvCxnSpPr/>
             <p:nvPr/>
           </p:nvCxnSpPr>
@@ -7213,7 +6484,7 @@
           <p:nvPr/>
         </p:nvPicPr>
         <p:blipFill>
-          <a:blip r:embed="rId3"/>
+          <a:blip r:embed="rId1"/>
           <a:stretch>
             <a:fillRect/>
           </a:stretch>
@@ -7237,7 +6508,7 @@
           <p:nvPr/>
         </p:nvPicPr>
         <p:blipFill>
-          <a:blip r:embed="rId4"/>
+          <a:blip r:embed="rId2"/>
           <a:stretch>
             <a:fillRect/>
           </a:stretch>
@@ -7290,7 +6561,7 @@
           <p:nvPr/>
         </p:nvPicPr>
         <p:blipFill>
-          <a:blip r:embed="rId5"/>
+          <a:blip r:embed="rId3"/>
           <a:stretch>
             <a:fillRect/>
           </a:stretch>
@@ -7335,11 +6606,6 @@
         </p:txBody>
       </p:sp>
     </p:spTree>
-    <p:extLst>
-      <p:ext uri="{BB962C8B-B14F-4D97-AF65-F5344CB8AC3E}">
-        <p14:creationId xmlns:p14="http://schemas.microsoft.com/office/powerpoint/2010/main" val="327007772"/>
-      </p:ext>
-    </p:extLst>
   </p:cSld>
   <p:clrMapOvr>
     <a:masterClrMapping/>
@@ -7419,12 +6685,12 @@
           <a:p>
             <a:pPr algn="ctr"/>
             <a:r>
-              <a:rPr lang="en-US" altLang="zh-CN" sz="4267" dirty="0">
+              <a:rPr lang="en-US" altLang="zh-CN" sz="4265" dirty="0">
                 <a:latin typeface="Myriad Pro Light" pitchFamily="34" charset="0"/>
               </a:rPr>
               <a:t>Part four</a:t>
             </a:r>
-            <a:endParaRPr lang="zh-CN" altLang="en-US" sz="4267" dirty="0">
+            <a:endParaRPr lang="zh-CN" altLang="en-US" sz="4265" dirty="0">
               <a:latin typeface="Myriad Pro Light" pitchFamily="34" charset="0"/>
             </a:endParaRPr>
           </a:p>
@@ -7485,7 +6751,6 @@
           <p:nvCxnSpPr>
             <p:cNvPr id="7" name="肘形连接符 6"/>
             <p:cNvCxnSpPr>
-              <a:cxnSpLocks/>
               <a:stCxn id="4" idx="3"/>
               <a:endCxn id="5" idx="3"/>
             </p:cNvCxnSpPr>
@@ -7526,7 +6791,6 @@
           <p:nvCxnSpPr>
             <p:cNvPr id="8" name="肘形连接符 7"/>
             <p:cNvCxnSpPr>
-              <a:cxnSpLocks/>
               <a:stCxn id="4" idx="1"/>
               <a:endCxn id="5" idx="1"/>
             </p:cNvCxnSpPr>
@@ -7797,22 +7061,17 @@
         </p:txBody>
       </p:sp>
     </p:spTree>
-    <p:extLst>
-      <p:ext uri="{BB962C8B-B14F-4D97-AF65-F5344CB8AC3E}">
-        <p14:creationId xmlns:p14="http://schemas.microsoft.com/office/powerpoint/2010/main" val="289468880"/>
-      </p:ext>
-    </p:extLst>
   </p:cSld>
   <p:clrMapOvr>
     <a:masterClrMapping/>
   </p:clrMapOvr>
-  <mc:AlternateContent xmlns:mc="http://schemas.openxmlformats.org/markup-compatibility/2006" xmlns:p14="http://schemas.microsoft.com/office/powerpoint/2010/main">
-    <mc:Choice Requires="p14">
+  <mc:AlternateContent xmlns:mc="http://schemas.openxmlformats.org/markup-compatibility/2006">
+    <mc:Choice xmlns:p14="http://schemas.microsoft.com/office/powerpoint/2010/main" Requires="p14">
       <p:transition spd="slow" p14:dur="1250">
         <p:split orient="vert"/>
       </p:transition>
     </mc:Choice>
-    <mc:Fallback xmlns="">
+    <mc:Fallback>
       <p:transition spd="slow">
         <p:split orient="vert"/>
       </p:transition>
@@ -7882,7 +7141,7 @@
                         <p:par>
                           <p:cTn id="8" fill="hold">
                             <p:stCondLst>
-                              <p:cond delay="1202"/>
+                              <p:cond delay="1500"/>
                             </p:stCondLst>
                             <p:childTnLst>
                               <p:par>
@@ -7926,7 +7185,7 @@
                         <p:par>
                           <p:cTn id="12" fill="hold">
                             <p:stCondLst>
-                              <p:cond delay="2103"/>
+                              <p:cond delay="2500"/>
                             </p:stCondLst>
                             <p:childTnLst>
                               <p:par>
@@ -7970,7 +7229,7 @@
                         <p:par>
                           <p:cTn id="16" fill="hold">
                             <p:stCondLst>
-                              <p:cond delay="4205"/>
+                              <p:cond delay="5000"/>
                             </p:stCondLst>
                             <p:childTnLst>
                               <p:par>
@@ -8119,7 +7378,7 @@
                         <p:par>
                           <p:cTn id="29" fill="hold">
                             <p:stCondLst>
-                              <p:cond delay="4806"/>
+                              <p:cond delay="6000"/>
                             </p:stCondLst>
                             <p:childTnLst>
                               <p:par>
@@ -8163,7 +7422,7 @@
                         <p:par>
                           <p:cTn id="33" fill="hold">
                             <p:stCondLst>
-                              <p:cond delay="5407"/>
+                              <p:cond delay="7000"/>
                             </p:stCondLst>
                             <p:childTnLst>
                               <p:par>
@@ -8275,13 +7534,7 @@
       </p:grpSpPr>
       <p:grpSp>
         <p:nvGrpSpPr>
-          <p:cNvPr id="3" name="组合 2">
-            <a:extLst>
-              <a:ext uri="{FF2B5EF4-FFF2-40B4-BE49-F238E27FC236}">
-                <a16:creationId xmlns:a16="http://schemas.microsoft.com/office/drawing/2014/main" id="{917AFB1C-6FD3-4CE2-A2DD-6AD452BA011E}"/>
-              </a:ext>
-            </a:extLst>
-          </p:cNvPr>
+          <p:cNvPr id="3" name="组合 2"/>
           <p:cNvGrpSpPr/>
           <p:nvPr/>
         </p:nvGrpSpPr>
@@ -8604,6 +7857,9 @@
                   </a:rPr>
                   <a:t>前期工作</a:t>
                 </a:r>
+                <a:endParaRPr lang="zh-CN" altLang="en-US" sz="2000" b="1" dirty="0">
+                  <a:latin typeface="+mn-ea"/>
+                </a:endParaRPr>
               </a:p>
             </p:txBody>
           </p:sp>
@@ -8772,6 +8028,9 @@
                   </a:rPr>
                   <a:t>结果</a:t>
                 </a:r>
+                <a:endParaRPr lang="zh-CN" altLang="en-US" sz="2000" b="1" dirty="0">
+                  <a:latin typeface="+mn-ea"/>
+                </a:endParaRPr>
               </a:p>
             </p:txBody>
           </p:sp>
@@ -8983,22 +8242,17 @@
         </p:sp>
       </p:grpSp>
     </p:spTree>
-    <p:extLst>
-      <p:ext uri="{BB962C8B-B14F-4D97-AF65-F5344CB8AC3E}">
-        <p14:creationId xmlns:p14="http://schemas.microsoft.com/office/powerpoint/2010/main" val="4095588673"/>
-      </p:ext>
-    </p:extLst>
   </p:cSld>
   <p:clrMapOvr>
     <a:masterClrMapping/>
   </p:clrMapOvr>
-  <mc:AlternateContent xmlns:mc="http://schemas.openxmlformats.org/markup-compatibility/2006" xmlns:p14="http://schemas.microsoft.com/office/powerpoint/2010/main">
-    <mc:Choice Requires="p14">
+  <mc:AlternateContent xmlns:mc="http://schemas.openxmlformats.org/markup-compatibility/2006">
+    <mc:Choice xmlns:p14="http://schemas.microsoft.com/office/powerpoint/2010/main" Requires="p14">
       <p:transition spd="slow" p14:dur="1250">
         <p:split orient="vert"/>
       </p:transition>
     </mc:Choice>
-    <mc:Fallback xmlns="">
+    <mc:Fallback>
       <p:transition spd="slow">
         <p:split orient="vert"/>
       </p:transition>
@@ -9322,33 +8576,7 @@
                   <a:latin typeface="Century Gothic" panose="020B0502020202020204" pitchFamily="34" charset="0"/>
                   <a:ea typeface="+mj-ea"/>
                 </a:rPr>
-                <a:t>解经纬负责了视频信息流列表显示</a:t>
-              </a:r>
-              <a:r>
-                <a:rPr lang="zh-CN" altLang="en-US" sz="1000" dirty="0" smtClean="0">
-                  <a:solidFill>
-                    <a:schemeClr val="tx1">
-                      <a:lumMod val="75000"/>
-                      <a:lumOff val="25000"/>
-                    </a:schemeClr>
-                  </a:solidFill>
-                  <a:latin typeface="Century Gothic" panose="020B0502020202020204" pitchFamily="34" charset="0"/>
-                  <a:ea typeface="+mj-ea"/>
-                </a:rPr>
-                <a:t>、私信功能添加、各</a:t>
-              </a:r>
-              <a:r>
-                <a:rPr lang="zh-CN" altLang="en-US" sz="1000" dirty="0" smtClean="0">
-                  <a:solidFill>
-                    <a:schemeClr val="tx1">
-                      <a:lumMod val="75000"/>
-                      <a:lumOff val="25000"/>
-                    </a:schemeClr>
-                  </a:solidFill>
-                  <a:latin typeface="Century Gothic" panose="020B0502020202020204" pitchFamily="34" charset="0"/>
-                  <a:ea typeface="+mj-ea"/>
-                </a:rPr>
-                <a:t>功能整合以及</a:t>
+                <a:t>解经纬负责了视频信息流列表显示、私信功能添加、各功能整合以及</a:t>
               </a:r>
               <a:r>
                 <a:rPr lang="en-US" altLang="zh-CN" sz="1000" dirty="0" err="1" smtClean="0">
@@ -9418,16 +8646,8 @@
       </p:grpSp>
       <p:cxnSp>
         <p:nvCxnSpPr>
-          <p:cNvPr id="6" name="直接连接符 5">
-            <a:extLst>
-              <a:ext uri="{FF2B5EF4-FFF2-40B4-BE49-F238E27FC236}">
-                <a16:creationId xmlns:a16="http://schemas.microsoft.com/office/drawing/2014/main" id="{A94A16DB-8D08-46F1-AEBB-99AB3F9E7B22}"/>
-              </a:ext>
-            </a:extLst>
-          </p:cNvPr>
-          <p:cNvCxnSpPr>
-            <a:cxnSpLocks/>
-          </p:cNvCxnSpPr>
+          <p:cNvPr id="6" name="直接连接符 5"/>
+          <p:cNvCxnSpPr/>
           <p:nvPr/>
         </p:nvCxnSpPr>
         <p:spPr>
@@ -9461,16 +8681,8 @@
       </p:cxnSp>
       <p:cxnSp>
         <p:nvCxnSpPr>
-          <p:cNvPr id="8" name="直接连接符 7">
-            <a:extLst>
-              <a:ext uri="{FF2B5EF4-FFF2-40B4-BE49-F238E27FC236}">
-                <a16:creationId xmlns:a16="http://schemas.microsoft.com/office/drawing/2014/main" id="{3DF30949-FEDE-4C1F-B3C6-9ADDABF30549}"/>
-              </a:ext>
-            </a:extLst>
-          </p:cNvPr>
-          <p:cNvCxnSpPr>
-            <a:cxnSpLocks/>
-          </p:cNvCxnSpPr>
+          <p:cNvPr id="8" name="直接连接符 7"/>
+          <p:cNvCxnSpPr/>
           <p:nvPr/>
         </p:nvCxnSpPr>
         <p:spPr>
@@ -9504,13 +8716,7 @@
       </p:cxnSp>
       <p:grpSp>
         <p:nvGrpSpPr>
-          <p:cNvPr id="17" name="组合 16">
-            <a:extLst>
-              <a:ext uri="{FF2B5EF4-FFF2-40B4-BE49-F238E27FC236}">
-                <a16:creationId xmlns:a16="http://schemas.microsoft.com/office/drawing/2014/main" id="{08D3244F-73AE-49F2-80E3-A41FA9A99025}"/>
-              </a:ext>
-            </a:extLst>
-          </p:cNvPr>
+          <p:cNvPr id="17" name="组合 16"/>
           <p:cNvGrpSpPr/>
           <p:nvPr/>
         </p:nvGrpSpPr>
@@ -9524,13 +8730,7 @@
         </p:grpSpPr>
         <p:sp>
           <p:nvSpPr>
-            <p:cNvPr id="2" name="椭圆 1">
-              <a:extLst>
-                <a:ext uri="{FF2B5EF4-FFF2-40B4-BE49-F238E27FC236}">
-                  <a16:creationId xmlns:a16="http://schemas.microsoft.com/office/drawing/2014/main" id="{32CAA0D7-222E-4533-AA1E-6D8F111EC520}"/>
-                </a:ext>
-              </a:extLst>
-            </p:cNvPr>
+            <p:cNvPr id="2" name="椭圆 1"/>
             <p:cNvSpPr/>
             <p:nvPr/>
           </p:nvSpPr>
@@ -9576,26 +8776,20 @@
         </p:sp>
         <p:pic>
           <p:nvPicPr>
-            <p:cNvPr id="12" name="图形 11" descr="用户">
-              <a:extLst>
-                <a:ext uri="{FF2B5EF4-FFF2-40B4-BE49-F238E27FC236}">
-                  <a16:creationId xmlns:a16="http://schemas.microsoft.com/office/drawing/2014/main" id="{021F4369-BF7E-4F05-B663-12CBE94F730A}"/>
-                </a:ext>
-              </a:extLst>
-            </p:cNvPr>
+            <p:cNvPr id="12" name="图形 11" descr="用户"/>
             <p:cNvPicPr>
               <a:picLocks noChangeAspect="1"/>
             </p:cNvPicPr>
             <p:nvPr/>
           </p:nvPicPr>
           <p:blipFill>
-            <a:blip r:embed="rId4">
+            <a:blip r:embed="rId1">
               <a:extLst>
                 <a:ext uri="{28A0092B-C50C-407E-A947-70E740481C1C}">
                   <a14:useLocalDpi xmlns:a14="http://schemas.microsoft.com/office/drawing/2010/main" val="0"/>
                 </a:ext>
                 <a:ext uri="{96DAC541-7B7A-43D3-8B79-37D633B846F1}">
-                  <asvg:svgBlip xmlns:asvg="http://schemas.microsoft.com/office/drawing/2016/SVG/main" xmlns="" r:embed="rId5"/>
+                  <asvg:svgBlip xmlns:asvg="http://schemas.microsoft.com/office/drawing/2016/SVG/main" r:embed="rId2"/>
                 </a:ext>
               </a:extLst>
             </a:blip>
@@ -9616,13 +8810,7 @@
       </p:grpSp>
       <p:grpSp>
         <p:nvGrpSpPr>
-          <p:cNvPr id="18" name="组合 17">
-            <a:extLst>
-              <a:ext uri="{FF2B5EF4-FFF2-40B4-BE49-F238E27FC236}">
-                <a16:creationId xmlns:a16="http://schemas.microsoft.com/office/drawing/2014/main" id="{522D3085-2264-4A8F-AB21-A5F8A46C900B}"/>
-              </a:ext>
-            </a:extLst>
-          </p:cNvPr>
+          <p:cNvPr id="18" name="组合 17"/>
           <p:cNvGrpSpPr/>
           <p:nvPr/>
         </p:nvGrpSpPr>
@@ -9636,13 +8824,7 @@
         </p:grpSpPr>
         <p:sp>
           <p:nvSpPr>
-            <p:cNvPr id="3" name="椭圆 2">
-              <a:extLst>
-                <a:ext uri="{FF2B5EF4-FFF2-40B4-BE49-F238E27FC236}">
-                  <a16:creationId xmlns:a16="http://schemas.microsoft.com/office/drawing/2014/main" id="{D636A358-38A7-4B08-A840-F2D7AF18F949}"/>
-                </a:ext>
-              </a:extLst>
-            </p:cNvPr>
+            <p:cNvPr id="3" name="椭圆 2"/>
             <p:cNvSpPr/>
             <p:nvPr/>
           </p:nvSpPr>
@@ -9688,26 +8870,20 @@
         </p:sp>
         <p:pic>
           <p:nvPicPr>
-            <p:cNvPr id="14" name="图形 13" descr="日历">
-              <a:extLst>
-                <a:ext uri="{FF2B5EF4-FFF2-40B4-BE49-F238E27FC236}">
-                  <a16:creationId xmlns:a16="http://schemas.microsoft.com/office/drawing/2014/main" id="{CD60A53A-2265-47BD-B1CC-C58AA523C3DC}"/>
-                </a:ext>
-              </a:extLst>
-            </p:cNvPr>
+            <p:cNvPr id="14" name="图形 13" descr="日历"/>
             <p:cNvPicPr>
               <a:picLocks noChangeAspect="1"/>
             </p:cNvPicPr>
             <p:nvPr/>
           </p:nvPicPr>
           <p:blipFill>
-            <a:blip r:embed="rId6" cstate="print">
+            <a:blip r:embed="rId3" cstate="print">
               <a:extLst>
                 <a:ext uri="{28A0092B-C50C-407E-A947-70E740481C1C}">
                   <a14:useLocalDpi xmlns:a14="http://schemas.microsoft.com/office/drawing/2010/main" val="0"/>
                 </a:ext>
                 <a:ext uri="{96DAC541-7B7A-43D3-8B79-37D633B846F1}">
-                  <asvg:svgBlip xmlns:asvg="http://schemas.microsoft.com/office/drawing/2016/SVG/main" xmlns="" r:embed="rId7"/>
+                  <asvg:svgBlip xmlns:asvg="http://schemas.microsoft.com/office/drawing/2016/SVG/main" r:embed="rId4"/>
                 </a:ext>
               </a:extLst>
             </a:blip>
@@ -9728,13 +8904,7 @@
       </p:grpSp>
       <p:grpSp>
         <p:nvGrpSpPr>
-          <p:cNvPr id="19" name="组合 18">
-            <a:extLst>
-              <a:ext uri="{FF2B5EF4-FFF2-40B4-BE49-F238E27FC236}">
-                <a16:creationId xmlns:a16="http://schemas.microsoft.com/office/drawing/2014/main" id="{7CA2E254-D34F-4516-8A1F-60DF77ACACA7}"/>
-              </a:ext>
-            </a:extLst>
-          </p:cNvPr>
+          <p:cNvPr id="19" name="组合 18"/>
           <p:cNvGrpSpPr/>
           <p:nvPr/>
         </p:nvGrpSpPr>
@@ -9748,13 +8918,7 @@
         </p:grpSpPr>
         <p:sp>
           <p:nvSpPr>
-            <p:cNvPr id="26" name="椭圆 25">
-              <a:extLst>
-                <a:ext uri="{FF2B5EF4-FFF2-40B4-BE49-F238E27FC236}">
-                  <a16:creationId xmlns:a16="http://schemas.microsoft.com/office/drawing/2014/main" id="{0777EE18-0E71-4F27-B014-5AB34CCF5939}"/>
-                </a:ext>
-              </a:extLst>
-            </p:cNvPr>
+            <p:cNvPr id="26" name="椭圆 25"/>
             <p:cNvSpPr/>
             <p:nvPr/>
           </p:nvSpPr>
@@ -9800,26 +8964,20 @@
         </p:sp>
         <p:pic>
           <p:nvPicPr>
-            <p:cNvPr id="16" name="图形 15" descr="条形图">
-              <a:extLst>
-                <a:ext uri="{FF2B5EF4-FFF2-40B4-BE49-F238E27FC236}">
-                  <a16:creationId xmlns:a16="http://schemas.microsoft.com/office/drawing/2014/main" id="{C7E7229A-2820-4328-A47E-35EDE0711869}"/>
-                </a:ext>
-              </a:extLst>
-            </p:cNvPr>
+            <p:cNvPr id="16" name="图形 15" descr="条形图"/>
             <p:cNvPicPr>
               <a:picLocks noChangeAspect="1"/>
             </p:cNvPicPr>
             <p:nvPr/>
           </p:nvPicPr>
           <p:blipFill>
-            <a:blip r:embed="rId8" cstate="print">
+            <a:blip r:embed="rId5" cstate="print">
               <a:extLst>
                 <a:ext uri="{28A0092B-C50C-407E-A947-70E740481C1C}">
                   <a14:useLocalDpi xmlns:a14="http://schemas.microsoft.com/office/drawing/2010/main" val="0"/>
                 </a:ext>
                 <a:ext uri="{96DAC541-7B7A-43D3-8B79-37D633B846F1}">
-                  <asvg:svgBlip xmlns:asvg="http://schemas.microsoft.com/office/drawing/2016/SVG/main" xmlns="" r:embed="rId9"/>
+                  <asvg:svgBlip xmlns:asvg="http://schemas.microsoft.com/office/drawing/2016/SVG/main" r:embed="rId6"/>
                 </a:ext>
               </a:extLst>
             </a:blip>
@@ -9840,13 +8998,7 @@
       </p:grpSp>
       <p:grpSp>
         <p:nvGrpSpPr>
-          <p:cNvPr id="25" name="组合 24">
-            <a:extLst>
-              <a:ext uri="{FF2B5EF4-FFF2-40B4-BE49-F238E27FC236}">
-                <a16:creationId xmlns:a16="http://schemas.microsoft.com/office/drawing/2014/main" id="{7D5E6F85-E568-4073-B813-3C64057C3821}"/>
-              </a:ext>
-            </a:extLst>
-          </p:cNvPr>
+          <p:cNvPr id="25" name="组合 24"/>
           <p:cNvGrpSpPr/>
           <p:nvPr/>
         </p:nvGrpSpPr>
@@ -9860,17 +9012,11 @@
         </p:grpSpPr>
         <p:sp>
           <p:nvSpPr>
-            <p:cNvPr id="27" name="MH_Entry_1">
-              <a:extLst>
-                <a:ext uri="{FF2B5EF4-FFF2-40B4-BE49-F238E27FC236}">
-                  <a16:creationId xmlns:a16="http://schemas.microsoft.com/office/drawing/2014/main" id="{E2770940-E656-4BEB-88DE-A72332412838}"/>
-                </a:ext>
-              </a:extLst>
-            </p:cNvPr>
+            <p:cNvPr id="27" name="MH_Entry_1"/>
             <p:cNvSpPr/>
             <p:nvPr>
               <p:custDataLst>
-                <p:tags r:id="rId1"/>
+                <p:tags r:id="rId7"/>
               </p:custDataLst>
             </p:nvPr>
           </p:nvSpPr>
@@ -10066,7 +9212,7 @@
             </a:bodyPr>
             <a:lstStyle/>
             <a:p>
-              <a:pPr algn="dist" defTabSz="1146358" fontAlgn="base">
+              <a:pPr algn="dist" defTabSz="1146175" fontAlgn="base">
                 <a:spcBef>
                   <a:spcPct val="0"/>
                 </a:spcBef>
@@ -10087,18 +9233,22 @@
                 </a:rPr>
                 <a:t>输入你的标题</a:t>
               </a:r>
+              <a:endParaRPr lang="zh-CN" altLang="en-US" sz="2000" dirty="0">
+                <a:solidFill>
+                  <a:schemeClr val="bg2">
+                    <a:lumMod val="10000"/>
+                  </a:schemeClr>
+                </a:solidFill>
+                <a:latin typeface="等线" panose="02010600030101010101" pitchFamily="2" charset="-122"/>
+                <a:ea typeface="等线" panose="02010600030101010101" pitchFamily="2" charset="-122"/>
+                <a:sym typeface="Arial" panose="020B0604020202020204" pitchFamily="34" charset="0"/>
+              </a:endParaRPr>
             </a:p>
           </p:txBody>
         </p:sp>
         <p:cxnSp>
           <p:nvCxnSpPr>
-            <p:cNvPr id="28" name="直接连接符 3">
-              <a:extLst>
-                <a:ext uri="{FF2B5EF4-FFF2-40B4-BE49-F238E27FC236}">
-                  <a16:creationId xmlns:a16="http://schemas.microsoft.com/office/drawing/2014/main" id="{58CE0A16-9824-47B3-A19F-808B50DD1740}"/>
-                </a:ext>
-              </a:extLst>
-            </p:cNvPr>
+            <p:cNvPr id="28" name="直接连接符 3"/>
             <p:cNvCxnSpPr/>
             <p:nvPr/>
           </p:nvCxnSpPr>
@@ -10133,13 +9283,7 @@
         </p:cxnSp>
         <p:cxnSp>
           <p:nvCxnSpPr>
-            <p:cNvPr id="29" name="直接连接符 4">
-              <a:extLst>
-                <a:ext uri="{FF2B5EF4-FFF2-40B4-BE49-F238E27FC236}">
-                  <a16:creationId xmlns:a16="http://schemas.microsoft.com/office/drawing/2014/main" id="{7E756040-060C-4490-A335-5318B52C9CB7}"/>
-                </a:ext>
-              </a:extLst>
-            </p:cNvPr>
+            <p:cNvPr id="29" name="直接连接符 4"/>
             <p:cNvCxnSpPr/>
             <p:nvPr/>
           </p:nvCxnSpPr>
@@ -10236,22 +9380,17 @@
         </p:txBody>
       </p:sp>
     </p:spTree>
-    <p:extLst>
-      <p:ext uri="{BB962C8B-B14F-4D97-AF65-F5344CB8AC3E}">
-        <p14:creationId xmlns:p14="http://schemas.microsoft.com/office/powerpoint/2010/main" val="2117905154"/>
-      </p:ext>
-    </p:extLst>
   </p:cSld>
   <p:clrMapOvr>
     <a:masterClrMapping/>
   </p:clrMapOvr>
-  <mc:AlternateContent xmlns:mc="http://schemas.openxmlformats.org/markup-compatibility/2006" xmlns:p14="http://schemas.microsoft.com/office/powerpoint/2010/main">
-    <mc:Choice Requires="p14">
+  <mc:AlternateContent xmlns:mc="http://schemas.openxmlformats.org/markup-compatibility/2006">
+    <mc:Choice xmlns:p14="http://schemas.microsoft.com/office/powerpoint/2010/main" Requires="p14">
       <p:transition spd="slow" p14:dur="1250">
         <p:randomBar dir="vert"/>
       </p:transition>
     </mc:Choice>
-    <mc:Fallback xmlns="">
+    <mc:Fallback>
       <p:transition spd="slow">
         <p:randomBar dir="vert"/>
       </p:transition>
@@ -10631,13 +9770,7 @@
       </p:grpSpPr>
       <p:grpSp>
         <p:nvGrpSpPr>
-          <p:cNvPr id="12" name="组合 11">
-            <a:extLst>
-              <a:ext uri="{FF2B5EF4-FFF2-40B4-BE49-F238E27FC236}">
-                <a16:creationId xmlns:a16="http://schemas.microsoft.com/office/drawing/2014/main" id="{D6000263-E9DD-4AC7-A616-C0C246340DFE}"/>
-              </a:ext>
-            </a:extLst>
-          </p:cNvPr>
+          <p:cNvPr id="12" name="组合 11"/>
           <p:cNvGrpSpPr/>
           <p:nvPr/>
         </p:nvGrpSpPr>
@@ -10651,13 +9784,7 @@
         </p:grpSpPr>
         <p:sp>
           <p:nvSpPr>
-            <p:cNvPr id="14" name="PA_文本框 11">
-              <a:extLst>
-                <a:ext uri="{FF2B5EF4-FFF2-40B4-BE49-F238E27FC236}">
-                  <a16:creationId xmlns:a16="http://schemas.microsoft.com/office/drawing/2014/main" id="{EDB0BCC6-23B9-4791-B4EF-7E4FCE5305BE}"/>
-                </a:ext>
-              </a:extLst>
-            </p:cNvPr>
+            <p:cNvPr id="14" name="PA_文本框 11"/>
             <p:cNvSpPr txBox="1"/>
             <p:nvPr>
               <p:custDataLst>
@@ -10693,18 +9820,20 @@
                 </a:rPr>
                 <a:t>感谢您的观看</a:t>
               </a:r>
+              <a:endParaRPr lang="zh-CN" altLang="en-US" sz="6000" b="1" dirty="0">
+                <a:solidFill>
+                  <a:srgbClr val="132E4A"/>
+                </a:solidFill>
+                <a:latin typeface="等线 Light" panose="02010600030101010101" pitchFamily="2" charset="-122"/>
+                <a:ea typeface="等线 Light" panose="02010600030101010101" pitchFamily="2" charset="-122"/>
+                <a:sym typeface="iekie-Weilaiti" panose="02010601030101010101" pitchFamily="2" charset="-128"/>
+              </a:endParaRPr>
             </a:p>
           </p:txBody>
         </p:sp>
         <p:sp>
           <p:nvSpPr>
-            <p:cNvPr id="16" name="PA_文本框 29">
-              <a:extLst>
-                <a:ext uri="{FF2B5EF4-FFF2-40B4-BE49-F238E27FC236}">
-                  <a16:creationId xmlns:a16="http://schemas.microsoft.com/office/drawing/2014/main" id="{3D504F59-BEDB-4DA9-9210-81BA2501E694}"/>
-                </a:ext>
-              </a:extLst>
-            </p:cNvPr>
+            <p:cNvPr id="16" name="PA_文本框 29"/>
             <p:cNvSpPr txBox="1"/>
             <p:nvPr>
               <p:custDataLst>
@@ -10790,13 +9919,7 @@
         </p:sp>
         <p:sp>
           <p:nvSpPr>
-            <p:cNvPr id="17" name="PA_文本框 11">
-              <a:extLst>
-                <a:ext uri="{FF2B5EF4-FFF2-40B4-BE49-F238E27FC236}">
-                  <a16:creationId xmlns:a16="http://schemas.microsoft.com/office/drawing/2014/main" id="{15144238-EF41-4A3E-89DB-603B09422A17}"/>
-                </a:ext>
-              </a:extLst>
-            </p:cNvPr>
+            <p:cNvPr id="17" name="PA_文本框 11"/>
             <p:cNvSpPr txBox="1"/>
             <p:nvPr>
               <p:custDataLst>
@@ -10845,22 +9968,17 @@
         </p:sp>
       </p:grpSp>
     </p:spTree>
-    <p:extLst>
-      <p:ext uri="{BB962C8B-B14F-4D97-AF65-F5344CB8AC3E}">
-        <p14:creationId xmlns:p14="http://schemas.microsoft.com/office/powerpoint/2010/main" val="3081956865"/>
-      </p:ext>
-    </p:extLst>
   </p:cSld>
   <p:clrMapOvr>
     <a:masterClrMapping/>
   </p:clrMapOvr>
-  <mc:AlternateContent xmlns:mc="http://schemas.openxmlformats.org/markup-compatibility/2006" xmlns:p14="http://schemas.microsoft.com/office/powerpoint/2010/main">
-    <mc:Choice Requires="p14">
+  <mc:AlternateContent xmlns:mc="http://schemas.openxmlformats.org/markup-compatibility/2006">
+    <mc:Choice xmlns:p14="http://schemas.microsoft.com/office/powerpoint/2010/main" Requires="p14">
       <p:transition spd="slow" p14:dur="1250">
         <p:split orient="vert"/>
       </p:transition>
     </mc:Choice>
-    <mc:Fallback xmlns="">
+    <mc:Fallback>
       <p:transition spd="slow">
         <p:split orient="vert"/>
       </p:transition>
@@ -10938,12 +10056,12 @@
           <a:p>
             <a:pPr algn="ctr"/>
             <a:r>
-              <a:rPr lang="en-US" altLang="zh-CN" sz="4267" dirty="0">
+              <a:rPr lang="en-US" altLang="zh-CN" sz="4265" dirty="0">
                 <a:latin typeface="Myriad Pro Light" pitchFamily="34" charset="0"/>
               </a:rPr>
               <a:t>Part one</a:t>
             </a:r>
-            <a:endParaRPr lang="zh-CN" altLang="en-US" sz="4267" dirty="0">
+            <a:endParaRPr lang="zh-CN" altLang="en-US" sz="4265" dirty="0">
               <a:latin typeface="Myriad Pro Light" pitchFamily="34" charset="0"/>
             </a:endParaRPr>
           </a:p>
@@ -11004,7 +10122,6 @@
           <p:nvCxnSpPr>
             <p:cNvPr id="7" name="肘形连接符 6"/>
             <p:cNvCxnSpPr>
-              <a:cxnSpLocks/>
               <a:stCxn id="4" idx="3"/>
               <a:endCxn id="5" idx="3"/>
             </p:cNvCxnSpPr>
@@ -11045,7 +10162,6 @@
           <p:nvCxnSpPr>
             <p:cNvPr id="8" name="肘形连接符 7"/>
             <p:cNvCxnSpPr>
-              <a:cxnSpLocks/>
               <a:stCxn id="4" idx="1"/>
               <a:endCxn id="5" idx="1"/>
             </p:cNvCxnSpPr>
@@ -11316,22 +10432,17 @@
         </p:txBody>
       </p:sp>
     </p:spTree>
-    <p:extLst>
-      <p:ext uri="{BB962C8B-B14F-4D97-AF65-F5344CB8AC3E}">
-        <p14:creationId xmlns:p14="http://schemas.microsoft.com/office/powerpoint/2010/main" val="699250741"/>
-      </p:ext>
-    </p:extLst>
   </p:cSld>
   <p:clrMapOvr>
     <a:masterClrMapping/>
   </p:clrMapOvr>
-  <mc:AlternateContent xmlns:mc="http://schemas.openxmlformats.org/markup-compatibility/2006" xmlns:p14="http://schemas.microsoft.com/office/powerpoint/2010/main">
-    <mc:Choice Requires="p14">
+  <mc:AlternateContent xmlns:mc="http://schemas.openxmlformats.org/markup-compatibility/2006">
+    <mc:Choice xmlns:p14="http://schemas.microsoft.com/office/powerpoint/2010/main" Requires="p14">
       <p:transition spd="slow" p14:dur="1250">
         <p:split orient="vert"/>
       </p:transition>
     </mc:Choice>
-    <mc:Fallback xmlns="">
+    <mc:Fallback>
       <p:transition spd="slow">
         <p:split orient="vert"/>
       </p:transition>
@@ -11401,7 +10512,7 @@
                         <p:par>
                           <p:cTn id="8" fill="hold">
                             <p:stCondLst>
-                              <p:cond delay="1202"/>
+                              <p:cond delay="1500"/>
                             </p:stCondLst>
                             <p:childTnLst>
                               <p:par>
@@ -11445,7 +10556,7 @@
                         <p:par>
                           <p:cTn id="12" fill="hold">
                             <p:stCondLst>
-                              <p:cond delay="2103"/>
+                              <p:cond delay="2500"/>
                             </p:stCondLst>
                             <p:childTnLst>
                               <p:par>
@@ -11489,7 +10600,7 @@
                         <p:par>
                           <p:cTn id="16" fill="hold">
                             <p:stCondLst>
-                              <p:cond delay="4205"/>
+                              <p:cond delay="5000"/>
                             </p:stCondLst>
                             <p:childTnLst>
                               <p:par>
@@ -11638,7 +10749,7 @@
                         <p:par>
                           <p:cTn id="29" fill="hold">
                             <p:stCondLst>
-                              <p:cond delay="4806"/>
+                              <p:cond delay="6000"/>
                             </p:stCondLst>
                             <p:childTnLst>
                               <p:par>
@@ -11682,7 +10793,7 @@
                         <p:par>
                           <p:cTn id="33" fill="hold">
                             <p:stCondLst>
-                              <p:cond delay="5407"/>
+                              <p:cond delay="7000"/>
                             </p:stCondLst>
                             <p:childTnLst>
                               <p:par>
@@ -12746,13 +11857,7 @@
       </p:grpSp>
       <p:sp>
         <p:nvSpPr>
-          <p:cNvPr id="34" name="Oval 44">
-            <a:extLst>
-              <a:ext uri="{FF2B5EF4-FFF2-40B4-BE49-F238E27FC236}">
-                <a16:creationId xmlns:a16="http://schemas.microsoft.com/office/drawing/2014/main" id="{EB2ECE95-4529-4BCC-B4D0-B64399B5B2A5}"/>
-              </a:ext>
-            </a:extLst>
-          </p:cNvPr>
+          <p:cNvPr id="34" name="Oval 44"/>
           <p:cNvSpPr/>
           <p:nvPr/>
         </p:nvSpPr>
@@ -13774,13 +12879,7 @@
       </p:sp>
       <p:grpSp>
         <p:nvGrpSpPr>
-          <p:cNvPr id="33" name="组合 32">
-            <a:extLst>
-              <a:ext uri="{FF2B5EF4-FFF2-40B4-BE49-F238E27FC236}">
-                <a16:creationId xmlns:a16="http://schemas.microsoft.com/office/drawing/2014/main" id="{C48EB1AC-3C3B-48AE-912D-30682FD04CA4}"/>
-              </a:ext>
-            </a:extLst>
-          </p:cNvPr>
+          <p:cNvPr id="33" name="组合 32"/>
           <p:cNvGrpSpPr/>
           <p:nvPr/>
         </p:nvGrpSpPr>
@@ -13794,13 +12893,7 @@
         </p:grpSpPr>
         <p:sp>
           <p:nvSpPr>
-            <p:cNvPr id="38" name="MH_Entry_1">
-              <a:extLst>
-                <a:ext uri="{FF2B5EF4-FFF2-40B4-BE49-F238E27FC236}">
-                  <a16:creationId xmlns:a16="http://schemas.microsoft.com/office/drawing/2014/main" id="{65CB1994-18A4-40CC-84C6-E1A439B64969}"/>
-                </a:ext>
-              </a:extLst>
-            </p:cNvPr>
+            <p:cNvPr id="38" name="MH_Entry_1"/>
             <p:cNvSpPr/>
             <p:nvPr>
               <p:custDataLst>
@@ -14000,7 +13093,7 @@
             </a:bodyPr>
             <a:lstStyle/>
             <a:p>
-              <a:pPr algn="dist" defTabSz="1146358" fontAlgn="base">
+              <a:pPr algn="dist" defTabSz="1146175" fontAlgn="base">
                 <a:spcBef>
                   <a:spcPct val="0"/>
                 </a:spcBef>
@@ -14021,18 +13114,22 @@
                 </a:rPr>
                 <a:t>输入你的标题</a:t>
               </a:r>
+              <a:endParaRPr lang="zh-CN" altLang="en-US" sz="2000" dirty="0">
+                <a:solidFill>
+                  <a:schemeClr val="bg2">
+                    <a:lumMod val="10000"/>
+                  </a:schemeClr>
+                </a:solidFill>
+                <a:latin typeface="等线" panose="02010600030101010101" pitchFamily="2" charset="-122"/>
+                <a:ea typeface="等线" panose="02010600030101010101" pitchFamily="2" charset="-122"/>
+                <a:sym typeface="Arial" panose="020B0604020202020204" pitchFamily="34" charset="0"/>
+              </a:endParaRPr>
             </a:p>
           </p:txBody>
         </p:sp>
         <p:cxnSp>
           <p:nvCxnSpPr>
-            <p:cNvPr id="41" name="直接连接符 3">
-              <a:extLst>
-                <a:ext uri="{FF2B5EF4-FFF2-40B4-BE49-F238E27FC236}">
-                  <a16:creationId xmlns:a16="http://schemas.microsoft.com/office/drawing/2014/main" id="{35C34009-9271-4D5C-9130-BCCBBAA1DDA8}"/>
-                </a:ext>
-              </a:extLst>
-            </p:cNvPr>
+            <p:cNvPr id="41" name="直接连接符 3"/>
             <p:cNvCxnSpPr/>
             <p:nvPr/>
           </p:nvCxnSpPr>
@@ -14067,13 +13164,7 @@
         </p:cxnSp>
         <p:cxnSp>
           <p:nvCxnSpPr>
-            <p:cNvPr id="42" name="直接连接符 4">
-              <a:extLst>
-                <a:ext uri="{FF2B5EF4-FFF2-40B4-BE49-F238E27FC236}">
-                  <a16:creationId xmlns:a16="http://schemas.microsoft.com/office/drawing/2014/main" id="{DD4C075A-647E-4198-9EF5-C73B077D4778}"/>
-                </a:ext>
-              </a:extLst>
-            </p:cNvPr>
+            <p:cNvPr id="42" name="直接连接符 4"/>
             <p:cNvCxnSpPr/>
             <p:nvPr/>
           </p:nvCxnSpPr>
@@ -14116,7 +13207,7 @@
           <p:nvPr/>
         </p:nvPicPr>
         <p:blipFill>
-          <a:blip r:embed="rId4"/>
+          <a:blip r:embed="rId2"/>
           <a:stretch>
             <a:fillRect/>
           </a:stretch>
@@ -14140,7 +13231,7 @@
           <p:nvPr/>
         </p:nvPicPr>
         <p:blipFill>
-          <a:blip r:embed="rId5"/>
+          <a:blip r:embed="rId3"/>
           <a:stretch>
             <a:fillRect/>
           </a:stretch>
@@ -14164,7 +13255,7 @@
           <p:nvPr/>
         </p:nvPicPr>
         <p:blipFill>
-          <a:blip r:embed="rId6"/>
+          <a:blip r:embed="rId4"/>
           <a:stretch>
             <a:fillRect/>
           </a:stretch>
@@ -14188,7 +13279,7 @@
           <p:nvPr/>
         </p:nvPicPr>
         <p:blipFill>
-          <a:blip r:embed="rId7"/>
+          <a:blip r:embed="rId5"/>
           <a:stretch>
             <a:fillRect/>
           </a:stretch>
@@ -14204,22 +13295,17 @@
         </p:spPr>
       </p:pic>
     </p:spTree>
-    <p:extLst>
-      <p:ext uri="{BB962C8B-B14F-4D97-AF65-F5344CB8AC3E}">
-        <p14:creationId xmlns:p14="http://schemas.microsoft.com/office/powerpoint/2010/main" val="1774921019"/>
-      </p:ext>
-    </p:extLst>
   </p:cSld>
   <p:clrMapOvr>
     <a:masterClrMapping/>
   </p:clrMapOvr>
-  <mc:AlternateContent xmlns:mc="http://schemas.openxmlformats.org/markup-compatibility/2006" xmlns:p14="http://schemas.microsoft.com/office/powerpoint/2010/main">
-    <mc:Choice Requires="p14">
+  <mc:AlternateContent xmlns:mc="http://schemas.openxmlformats.org/markup-compatibility/2006">
+    <mc:Choice xmlns:p14="http://schemas.microsoft.com/office/powerpoint/2010/main" Requires="p14">
       <p:transition spd="slow" p14:dur="1250">
         <p:randomBar dir="vert"/>
       </p:transition>
     </mc:Choice>
-    <mc:Fallback xmlns="">
+    <mc:Fallback>
       <p:transition spd="slow">
         <p:randomBar dir="vert"/>
       </p:transition>
@@ -14534,13 +13620,7 @@
       </p:grpSpPr>
       <p:grpSp>
         <p:nvGrpSpPr>
-          <p:cNvPr id="18" name="组合 17">
-            <a:extLst>
-              <a:ext uri="{FF2B5EF4-FFF2-40B4-BE49-F238E27FC236}">
-                <a16:creationId xmlns:a16="http://schemas.microsoft.com/office/drawing/2014/main" id="{B967DDA1-D24C-4345-8A97-9A57E31E5939}"/>
-              </a:ext>
-            </a:extLst>
-          </p:cNvPr>
+          <p:cNvPr id="18" name="组合 17"/>
           <p:cNvGrpSpPr/>
           <p:nvPr/>
         </p:nvGrpSpPr>
@@ -14554,13 +13634,7 @@
         </p:grpSpPr>
         <p:sp>
           <p:nvSpPr>
-            <p:cNvPr id="19" name="MH_Entry_1">
-              <a:extLst>
-                <a:ext uri="{FF2B5EF4-FFF2-40B4-BE49-F238E27FC236}">
-                  <a16:creationId xmlns:a16="http://schemas.microsoft.com/office/drawing/2014/main" id="{7F4E7BC2-46D2-457A-9A52-16AF21B73F15}"/>
-                </a:ext>
-              </a:extLst>
-            </p:cNvPr>
+            <p:cNvPr id="19" name="MH_Entry_1"/>
             <p:cNvSpPr/>
             <p:nvPr>
               <p:custDataLst>
@@ -14760,7 +13834,7 @@
             </a:bodyPr>
             <a:lstStyle/>
             <a:p>
-              <a:pPr algn="dist" defTabSz="1146358" fontAlgn="base">
+              <a:pPr algn="dist" defTabSz="1146175" fontAlgn="base">
                 <a:spcBef>
                   <a:spcPct val="0"/>
                 </a:spcBef>
@@ -14783,13 +13857,7 @@
         </p:sp>
         <p:cxnSp>
           <p:nvCxnSpPr>
-            <p:cNvPr id="20" name="直接连接符 3">
-              <a:extLst>
-                <a:ext uri="{FF2B5EF4-FFF2-40B4-BE49-F238E27FC236}">
-                  <a16:creationId xmlns:a16="http://schemas.microsoft.com/office/drawing/2014/main" id="{C7950F2C-4709-4759-AB65-4EB0CD2DF39E}"/>
-                </a:ext>
-              </a:extLst>
-            </p:cNvPr>
+            <p:cNvPr id="20" name="直接连接符 3"/>
             <p:cNvCxnSpPr/>
             <p:nvPr/>
           </p:nvCxnSpPr>
@@ -14824,13 +13892,7 @@
         </p:cxnSp>
         <p:cxnSp>
           <p:nvCxnSpPr>
-            <p:cNvPr id="21" name="直接连接符 4">
-              <a:extLst>
-                <a:ext uri="{FF2B5EF4-FFF2-40B4-BE49-F238E27FC236}">
-                  <a16:creationId xmlns:a16="http://schemas.microsoft.com/office/drawing/2014/main" id="{A73E1709-3A93-4AA3-AEE7-DD7A25707DEB}"/>
-                </a:ext>
-              </a:extLst>
-            </p:cNvPr>
+            <p:cNvPr id="21" name="直接连接符 4"/>
             <p:cNvCxnSpPr/>
             <p:nvPr/>
           </p:nvCxnSpPr>
@@ -14903,7 +13965,7 @@
           <p:nvPr/>
         </p:nvPicPr>
         <p:blipFill>
-          <a:blip r:embed="rId4"/>
+          <a:blip r:embed="rId2"/>
           <a:stretch>
             <a:fillRect/>
           </a:stretch>
@@ -14919,22 +13981,17 @@
         </p:spPr>
       </p:pic>
     </p:spTree>
-    <p:extLst>
-      <p:ext uri="{BB962C8B-B14F-4D97-AF65-F5344CB8AC3E}">
-        <p14:creationId xmlns:p14="http://schemas.microsoft.com/office/powerpoint/2010/main" val="1226236386"/>
-      </p:ext>
-    </p:extLst>
   </p:cSld>
   <p:clrMapOvr>
     <a:masterClrMapping/>
   </p:clrMapOvr>
-  <mc:AlternateContent xmlns:mc="http://schemas.openxmlformats.org/markup-compatibility/2006" xmlns:p14="http://schemas.microsoft.com/office/powerpoint/2010/main">
-    <mc:Choice Requires="p14">
+  <mc:AlternateContent xmlns:mc="http://schemas.openxmlformats.org/markup-compatibility/2006">
+    <mc:Choice xmlns:p14="http://schemas.microsoft.com/office/powerpoint/2010/main" Requires="p14">
       <p:transition spd="slow" p14:dur="1250">
         <p:randomBar dir="vert"/>
       </p:transition>
     </mc:Choice>
-    <mc:Fallback xmlns="">
+    <mc:Fallback>
       <p:transition spd="slow">
         <p:randomBar dir="vert"/>
       </p:transition>
@@ -15012,12 +14069,12 @@
           <a:p>
             <a:pPr algn="ctr"/>
             <a:r>
-              <a:rPr lang="en-US" altLang="zh-CN" sz="4267" dirty="0">
+              <a:rPr lang="en-US" altLang="zh-CN" sz="4265" dirty="0">
                 <a:latin typeface="Myriad Pro Light" pitchFamily="34" charset="0"/>
               </a:rPr>
               <a:t>Part two</a:t>
             </a:r>
-            <a:endParaRPr lang="zh-CN" altLang="en-US" sz="4267" dirty="0">
+            <a:endParaRPr lang="zh-CN" altLang="en-US" sz="4265" dirty="0">
               <a:latin typeface="Myriad Pro Light" pitchFamily="34" charset="0"/>
             </a:endParaRPr>
           </a:p>
@@ -15078,7 +14135,6 @@
           <p:nvCxnSpPr>
             <p:cNvPr id="7" name="肘形连接符 6"/>
             <p:cNvCxnSpPr>
-              <a:cxnSpLocks/>
               <a:stCxn id="4" idx="3"/>
               <a:endCxn id="5" idx="3"/>
             </p:cNvCxnSpPr>
@@ -15119,7 +14175,6 @@
           <p:nvCxnSpPr>
             <p:cNvPr id="8" name="肘形连接符 7"/>
             <p:cNvCxnSpPr>
-              <a:cxnSpLocks/>
               <a:stCxn id="4" idx="1"/>
               <a:endCxn id="5" idx="1"/>
             </p:cNvCxnSpPr>
@@ -15390,22 +14445,17 @@
         </p:txBody>
       </p:sp>
     </p:spTree>
-    <p:extLst>
-      <p:ext uri="{BB962C8B-B14F-4D97-AF65-F5344CB8AC3E}">
-        <p14:creationId xmlns:p14="http://schemas.microsoft.com/office/powerpoint/2010/main" val="2813579874"/>
-      </p:ext>
-    </p:extLst>
   </p:cSld>
   <p:clrMapOvr>
     <a:masterClrMapping/>
   </p:clrMapOvr>
-  <mc:AlternateContent xmlns:mc="http://schemas.openxmlformats.org/markup-compatibility/2006" xmlns:p14="http://schemas.microsoft.com/office/powerpoint/2010/main">
-    <mc:Choice Requires="p14">
+  <mc:AlternateContent xmlns:mc="http://schemas.openxmlformats.org/markup-compatibility/2006">
+    <mc:Choice xmlns:p14="http://schemas.microsoft.com/office/powerpoint/2010/main" Requires="p14">
       <p:transition spd="slow" p14:dur="1250">
         <p:split orient="vert"/>
       </p:transition>
     </mc:Choice>
-    <mc:Fallback xmlns="">
+    <mc:Fallback>
       <p:transition spd="slow">
         <p:split orient="vert"/>
       </p:transition>
@@ -15475,7 +14525,7 @@
                         <p:par>
                           <p:cTn id="8" fill="hold">
                             <p:stCondLst>
-                              <p:cond delay="1202"/>
+                              <p:cond delay="1500"/>
                             </p:stCondLst>
                             <p:childTnLst>
                               <p:par>
@@ -15519,7 +14569,7 @@
                         <p:par>
                           <p:cTn id="12" fill="hold">
                             <p:stCondLst>
-                              <p:cond delay="2103"/>
+                              <p:cond delay="2500"/>
                             </p:stCondLst>
                             <p:childTnLst>
                               <p:par>
@@ -15563,7 +14613,7 @@
                         <p:par>
                           <p:cTn id="16" fill="hold">
                             <p:stCondLst>
-                              <p:cond delay="4205"/>
+                              <p:cond delay="5000"/>
                             </p:stCondLst>
                             <p:childTnLst>
                               <p:par>
@@ -15712,7 +14762,7 @@
                         <p:par>
                           <p:cTn id="29" fill="hold">
                             <p:stCondLst>
-                              <p:cond delay="4806"/>
+                              <p:cond delay="6000"/>
                             </p:stCondLst>
                             <p:childTnLst>
                               <p:par>
@@ -15756,7 +14806,7 @@
                         <p:par>
                           <p:cTn id="33" fill="hold">
                             <p:stCondLst>
-                              <p:cond delay="5407"/>
+                              <p:cond delay="7000"/>
                             </p:stCondLst>
                             <p:childTnLst>
                               <p:par>
@@ -16667,13 +15717,7 @@
       </p:sp>
       <p:grpSp>
         <p:nvGrpSpPr>
-          <p:cNvPr id="37" name="组合 36">
-            <a:extLst>
-              <a:ext uri="{FF2B5EF4-FFF2-40B4-BE49-F238E27FC236}">
-                <a16:creationId xmlns:a16="http://schemas.microsoft.com/office/drawing/2014/main" id="{1EA74151-B893-4E33-ADE9-4F92B7FA943A}"/>
-              </a:ext>
-            </a:extLst>
-          </p:cNvPr>
+          <p:cNvPr id="37" name="组合 36"/>
           <p:cNvGrpSpPr/>
           <p:nvPr/>
         </p:nvGrpSpPr>
@@ -16687,13 +15731,7 @@
         </p:grpSpPr>
         <p:sp>
           <p:nvSpPr>
-            <p:cNvPr id="38" name="MH_Entry_1">
-              <a:extLst>
-                <a:ext uri="{FF2B5EF4-FFF2-40B4-BE49-F238E27FC236}">
-                  <a16:creationId xmlns:a16="http://schemas.microsoft.com/office/drawing/2014/main" id="{E8DB6D77-11FF-4B3D-B64A-8673E368ABE0}"/>
-                </a:ext>
-              </a:extLst>
-            </p:cNvPr>
+            <p:cNvPr id="38" name="MH_Entry_1"/>
             <p:cNvSpPr/>
             <p:nvPr>
               <p:custDataLst>
@@ -16893,7 +15931,7 @@
             </a:bodyPr>
             <a:lstStyle/>
             <a:p>
-              <a:pPr algn="dist" defTabSz="1146358" fontAlgn="base">
+              <a:pPr algn="dist" defTabSz="1146175" fontAlgn="base">
                 <a:spcBef>
                   <a:spcPct val="0"/>
                 </a:spcBef>
@@ -16914,18 +15952,22 @@
                 </a:rPr>
                 <a:t>输入你的标题</a:t>
               </a:r>
+              <a:endParaRPr lang="zh-CN" altLang="en-US" sz="2000" dirty="0">
+                <a:solidFill>
+                  <a:schemeClr val="bg2">
+                    <a:lumMod val="10000"/>
+                  </a:schemeClr>
+                </a:solidFill>
+                <a:latin typeface="等线" panose="02010600030101010101" pitchFamily="2" charset="-122"/>
+                <a:ea typeface="等线" panose="02010600030101010101" pitchFamily="2" charset="-122"/>
+                <a:sym typeface="Arial" panose="020B0604020202020204" pitchFamily="34" charset="0"/>
+              </a:endParaRPr>
             </a:p>
           </p:txBody>
         </p:sp>
         <p:cxnSp>
           <p:nvCxnSpPr>
-            <p:cNvPr id="39" name="直接连接符 3">
-              <a:extLst>
-                <a:ext uri="{FF2B5EF4-FFF2-40B4-BE49-F238E27FC236}">
-                  <a16:creationId xmlns:a16="http://schemas.microsoft.com/office/drawing/2014/main" id="{35F2312A-767F-4F93-A531-D2A481F50F08}"/>
-                </a:ext>
-              </a:extLst>
-            </p:cNvPr>
+            <p:cNvPr id="39" name="直接连接符 3"/>
             <p:cNvCxnSpPr/>
             <p:nvPr/>
           </p:nvCxnSpPr>
@@ -16960,13 +16002,7 @@
         </p:cxnSp>
         <p:cxnSp>
           <p:nvCxnSpPr>
-            <p:cNvPr id="40" name="直接连接符 4">
-              <a:extLst>
-                <a:ext uri="{FF2B5EF4-FFF2-40B4-BE49-F238E27FC236}">
-                  <a16:creationId xmlns:a16="http://schemas.microsoft.com/office/drawing/2014/main" id="{811CD831-3AD1-4CC1-B737-C0F22E773639}"/>
-                </a:ext>
-              </a:extLst>
-            </p:cNvPr>
+            <p:cNvPr id="40" name="直接连接符 4"/>
             <p:cNvCxnSpPr/>
             <p:nvPr/>
           </p:nvCxnSpPr>
@@ -17001,22 +16037,17 @@
         </p:cxnSp>
       </p:grpSp>
     </p:spTree>
-    <p:extLst>
-      <p:ext uri="{BB962C8B-B14F-4D97-AF65-F5344CB8AC3E}">
-        <p14:creationId xmlns:p14="http://schemas.microsoft.com/office/powerpoint/2010/main" val="3298019611"/>
-      </p:ext>
-    </p:extLst>
   </p:cSld>
   <p:clrMapOvr>
     <a:masterClrMapping/>
   </p:clrMapOvr>
-  <mc:AlternateContent xmlns:mc="http://schemas.openxmlformats.org/markup-compatibility/2006" xmlns:p14="http://schemas.microsoft.com/office/powerpoint/2010/main">
-    <mc:Choice Requires="p14">
+  <mc:AlternateContent xmlns:mc="http://schemas.openxmlformats.org/markup-compatibility/2006">
+    <mc:Choice xmlns:p14="http://schemas.microsoft.com/office/powerpoint/2010/main" Requires="p14">
       <p:transition spd="slow" p14:dur="1250">
         <p:randomBar dir="vert"/>
       </p:transition>
     </mc:Choice>
-    <mc:Fallback xmlns="">
+    <mc:Fallback>
       <p:transition spd="slow">
         <p:randomBar dir="vert"/>
       </p:transition>
@@ -17094,12 +16125,12 @@
           <a:p>
             <a:pPr algn="ctr"/>
             <a:r>
-              <a:rPr lang="en-US" altLang="zh-CN" sz="4267" dirty="0">
+              <a:rPr lang="en-US" altLang="zh-CN" sz="4265" dirty="0">
                 <a:latin typeface="Myriad Pro Light" pitchFamily="34" charset="0"/>
               </a:rPr>
               <a:t>Part three</a:t>
             </a:r>
-            <a:endParaRPr lang="zh-CN" altLang="en-US" sz="4267" dirty="0">
+            <a:endParaRPr lang="zh-CN" altLang="en-US" sz="4265" dirty="0">
               <a:latin typeface="Myriad Pro Light" pitchFamily="34" charset="0"/>
             </a:endParaRPr>
           </a:p>
@@ -17160,7 +16191,6 @@
           <p:nvCxnSpPr>
             <p:cNvPr id="7" name="肘形连接符 6"/>
             <p:cNvCxnSpPr>
-              <a:cxnSpLocks/>
               <a:stCxn id="4" idx="3"/>
               <a:endCxn id="5" idx="3"/>
             </p:cNvCxnSpPr>
@@ -17201,7 +16231,6 @@
           <p:nvCxnSpPr>
             <p:cNvPr id="8" name="肘形连接符 7"/>
             <p:cNvCxnSpPr>
-              <a:cxnSpLocks/>
               <a:stCxn id="4" idx="1"/>
               <a:endCxn id="5" idx="1"/>
             </p:cNvCxnSpPr>
@@ -17472,22 +16501,17 @@
         </p:txBody>
       </p:sp>
     </p:spTree>
-    <p:extLst>
-      <p:ext uri="{BB962C8B-B14F-4D97-AF65-F5344CB8AC3E}">
-        <p14:creationId xmlns:p14="http://schemas.microsoft.com/office/powerpoint/2010/main" val="708358469"/>
-      </p:ext>
-    </p:extLst>
   </p:cSld>
   <p:clrMapOvr>
     <a:masterClrMapping/>
   </p:clrMapOvr>
-  <mc:AlternateContent xmlns:mc="http://schemas.openxmlformats.org/markup-compatibility/2006" xmlns:p14="http://schemas.microsoft.com/office/powerpoint/2010/main">
-    <mc:Choice Requires="p14">
+  <mc:AlternateContent xmlns:mc="http://schemas.openxmlformats.org/markup-compatibility/2006">
+    <mc:Choice xmlns:p14="http://schemas.microsoft.com/office/powerpoint/2010/main" Requires="p14">
       <p:transition spd="slow" p14:dur="1250">
         <p:split orient="vert"/>
       </p:transition>
     </mc:Choice>
-    <mc:Fallback xmlns="">
+    <mc:Fallback>
       <p:transition spd="slow">
         <p:split orient="vert"/>
       </p:transition>
@@ -17557,7 +16581,7 @@
                         <p:par>
                           <p:cTn id="8" fill="hold">
                             <p:stCondLst>
-                              <p:cond delay="1202"/>
+                              <p:cond delay="1500"/>
                             </p:stCondLst>
                             <p:childTnLst>
                               <p:par>
@@ -17601,7 +16625,7 @@
                         <p:par>
                           <p:cTn id="12" fill="hold">
                             <p:stCondLst>
-                              <p:cond delay="2103"/>
+                              <p:cond delay="2500"/>
                             </p:stCondLst>
                             <p:childTnLst>
                               <p:par>
@@ -17645,7 +16669,7 @@
                         <p:par>
                           <p:cTn id="16" fill="hold">
                             <p:stCondLst>
-                              <p:cond delay="4205"/>
+                              <p:cond delay="5000"/>
                             </p:stCondLst>
                             <p:childTnLst>
                               <p:par>
@@ -17794,7 +16818,7 @@
                         <p:par>
                           <p:cTn id="29" fill="hold">
                             <p:stCondLst>
-                              <p:cond delay="4806"/>
+                              <p:cond delay="6000"/>
                             </p:stCondLst>
                             <p:childTnLst>
                               <p:par>
@@ -17838,7 +16862,7 @@
                         <p:par>
                           <p:cTn id="33" fill="hold">
                             <p:stCondLst>
-                              <p:cond delay="5407"/>
+                              <p:cond delay="7000"/>
                             </p:stCondLst>
                             <p:childTnLst>
                               <p:par>
@@ -17950,13 +16974,7 @@
       </p:grpSpPr>
       <p:grpSp>
         <p:nvGrpSpPr>
-          <p:cNvPr id="32" name="组合 31">
-            <a:extLst>
-              <a:ext uri="{FF2B5EF4-FFF2-40B4-BE49-F238E27FC236}">
-                <a16:creationId xmlns:a16="http://schemas.microsoft.com/office/drawing/2014/main" id="{B9783265-ABBD-4002-BFAC-66A0B5A71420}"/>
-              </a:ext>
-            </a:extLst>
-          </p:cNvPr>
+          <p:cNvPr id="32" name="组合 31"/>
           <p:cNvGrpSpPr/>
           <p:nvPr/>
         </p:nvGrpSpPr>
@@ -17970,13 +16988,7 @@
         </p:grpSpPr>
         <p:cxnSp>
           <p:nvCxnSpPr>
-            <p:cNvPr id="34" name="直接连接符 3">
-              <a:extLst>
-                <a:ext uri="{FF2B5EF4-FFF2-40B4-BE49-F238E27FC236}">
-                  <a16:creationId xmlns:a16="http://schemas.microsoft.com/office/drawing/2014/main" id="{7A76B693-65E1-4A97-A7D0-021E6CA86F46}"/>
-                </a:ext>
-              </a:extLst>
-            </p:cNvPr>
+            <p:cNvPr id="34" name="直接连接符 3"/>
             <p:cNvCxnSpPr/>
             <p:nvPr/>
           </p:nvCxnSpPr>
@@ -18011,13 +17023,7 @@
         </p:cxnSp>
         <p:cxnSp>
           <p:nvCxnSpPr>
-            <p:cNvPr id="35" name="直接连接符 4">
-              <a:extLst>
-                <a:ext uri="{FF2B5EF4-FFF2-40B4-BE49-F238E27FC236}">
-                  <a16:creationId xmlns:a16="http://schemas.microsoft.com/office/drawing/2014/main" id="{FC38E9EC-7723-4D1F-B699-96327E9622D1}"/>
-                </a:ext>
-              </a:extLst>
-            </p:cNvPr>
+            <p:cNvPr id="35" name="直接连接符 4"/>
             <p:cNvCxnSpPr/>
             <p:nvPr/>
           </p:nvCxnSpPr>
@@ -18090,7 +17096,7 @@
           <p:nvPr/>
         </p:nvPicPr>
         <p:blipFill>
-          <a:blip r:embed="rId3"/>
+          <a:blip r:embed="rId1"/>
           <a:stretch>
             <a:fillRect/>
           </a:stretch>
@@ -18106,11 +17112,6 @@
         </p:spPr>
       </p:pic>
     </p:spTree>
-    <p:extLst>
-      <p:ext uri="{BB962C8B-B14F-4D97-AF65-F5344CB8AC3E}">
-        <p14:creationId xmlns:p14="http://schemas.microsoft.com/office/powerpoint/2010/main" val="1056154533"/>
-      </p:ext>
-    </p:extLst>
   </p:cSld>
   <p:clrMapOvr>
     <a:masterClrMapping/>
@@ -18129,41 +17130,47 @@
 </file>
 
 <file path=ppt/tags/tag1.xml><?xml version="1.0" encoding="utf-8"?>
-<p:tagLst xmlns:a="http://schemas.openxmlformats.org/drawingml/2006/main" xmlns:r="http://schemas.openxmlformats.org/officeDocument/2006/relationships" xmlns:p="http://schemas.openxmlformats.org/presentationml/2006/main">
+<p:tagLst xmlns:p="http://schemas.openxmlformats.org/presentationml/2006/main">
   <p:tag name="PA" val="v3.1.0"/>
 </p:tagLst>
 </file>
 
 <file path=ppt/tags/tag10.xml><?xml version="1.0" encoding="utf-8"?>
-<p:tagLst xmlns:a="http://schemas.openxmlformats.org/drawingml/2006/main" xmlns:r="http://schemas.openxmlformats.org/officeDocument/2006/relationships" xmlns:p="http://schemas.openxmlformats.org/presentationml/2006/main">
+<p:tagLst xmlns:p="http://schemas.openxmlformats.org/presentationml/2006/main">
+  <p:tag name="PA" val="v3.1.0"/>
+</p:tagLst>
+</file>
+
+<file path=ppt/tags/tag11.xml><?xml version="1.0" encoding="utf-8"?>
+<p:tagLst xmlns:p="http://schemas.openxmlformats.org/presentationml/2006/main">
   <p:tag name="PA" val="v3.1.0"/>
 </p:tagLst>
 </file>
 
 <file path=ppt/tags/tag2.xml><?xml version="1.0" encoding="utf-8"?>
-<p:tagLst xmlns:a="http://schemas.openxmlformats.org/drawingml/2006/main" xmlns:r="http://schemas.openxmlformats.org/officeDocument/2006/relationships" xmlns:p="http://schemas.openxmlformats.org/presentationml/2006/main">
+<p:tagLst xmlns:p="http://schemas.openxmlformats.org/presentationml/2006/main">
   <p:tag name="PA" val="v3.1.0"/>
 </p:tagLst>
 </file>
 
 <file path=ppt/tags/tag3.xml><?xml version="1.0" encoding="utf-8"?>
-<p:tagLst xmlns:a="http://schemas.openxmlformats.org/drawingml/2006/main" xmlns:r="http://schemas.openxmlformats.org/officeDocument/2006/relationships" xmlns:p="http://schemas.openxmlformats.org/presentationml/2006/main">
+<p:tagLst xmlns:p="http://schemas.openxmlformats.org/presentationml/2006/main">
   <p:tag name="PA" val="v3.1.0"/>
 </p:tagLst>
 </file>
 
 <file path=ppt/tags/tag4.xml><?xml version="1.0" encoding="utf-8"?>
-<p:tagLst xmlns:a="http://schemas.openxmlformats.org/drawingml/2006/main" xmlns:r="http://schemas.openxmlformats.org/officeDocument/2006/relationships" xmlns:p="http://schemas.openxmlformats.org/presentationml/2006/main">
-  <p:tag name="MH" val="20160830110146"/>
-  <p:tag name="MH_LIBRARY" val="CONTENTS"/>
-  <p:tag name="MH_TYPE" val="ENTRY"/>
-  <p:tag name="ID" val="553512"/>
-  <p:tag name="MH_ORDER" val="1"/>
+<p:tagLst xmlns:p="http://schemas.openxmlformats.org/presentationml/2006/main">
+  <p:tag name="KSO_WM_TEMPLATE_TOPIC_ID" val="2869567"/>
+  <p:tag name="KSO_WM_TEMPLATE_OUTLINE_ID" val="15"/>
+  <p:tag name="KSO_WM_TEMPLATE_SCENE_ID" val="1"/>
+  <p:tag name="KSO_WM_TEMPLATE_JOB_ID" val="2"/>
+  <p:tag name="KSO_WM_TEMPLATE_TOPIC_DEFAULT" val="1"/>
 </p:tagLst>
 </file>
 
 <file path=ppt/tags/tag5.xml><?xml version="1.0" encoding="utf-8"?>
-<p:tagLst xmlns:a="http://schemas.openxmlformats.org/drawingml/2006/main" xmlns:r="http://schemas.openxmlformats.org/officeDocument/2006/relationships" xmlns:p="http://schemas.openxmlformats.org/presentationml/2006/main">
+<p:tagLst xmlns:p="http://schemas.openxmlformats.org/presentationml/2006/main">
   <p:tag name="MH" val="20160830110146"/>
   <p:tag name="MH_LIBRARY" val="CONTENTS"/>
   <p:tag name="MH_TYPE" val="ENTRY"/>
@@ -18173,7 +17180,7 @@
 </file>
 
 <file path=ppt/tags/tag6.xml><?xml version="1.0" encoding="utf-8"?>
-<p:tagLst xmlns:a="http://schemas.openxmlformats.org/drawingml/2006/main" xmlns:r="http://schemas.openxmlformats.org/officeDocument/2006/relationships" xmlns:p="http://schemas.openxmlformats.org/presentationml/2006/main">
+<p:tagLst xmlns:p="http://schemas.openxmlformats.org/presentationml/2006/main">
   <p:tag name="MH" val="20160830110146"/>
   <p:tag name="MH_LIBRARY" val="CONTENTS"/>
   <p:tag name="MH_TYPE" val="ENTRY"/>
@@ -18183,7 +17190,7 @@
 </file>
 
 <file path=ppt/tags/tag7.xml><?xml version="1.0" encoding="utf-8"?>
-<p:tagLst xmlns:a="http://schemas.openxmlformats.org/drawingml/2006/main" xmlns:r="http://schemas.openxmlformats.org/officeDocument/2006/relationships" xmlns:p="http://schemas.openxmlformats.org/presentationml/2006/main">
+<p:tagLst xmlns:p="http://schemas.openxmlformats.org/presentationml/2006/main">
   <p:tag name="MH" val="20160830110146"/>
   <p:tag name="MH_LIBRARY" val="CONTENTS"/>
   <p:tag name="MH_TYPE" val="ENTRY"/>
@@ -18193,13 +17200,17 @@
 </file>
 
 <file path=ppt/tags/tag8.xml><?xml version="1.0" encoding="utf-8"?>
-<p:tagLst xmlns:a="http://schemas.openxmlformats.org/drawingml/2006/main" xmlns:r="http://schemas.openxmlformats.org/officeDocument/2006/relationships" xmlns:p="http://schemas.openxmlformats.org/presentationml/2006/main">
-  <p:tag name="PA" val="v3.1.0"/>
+<p:tagLst xmlns:p="http://schemas.openxmlformats.org/presentationml/2006/main">
+  <p:tag name="MH" val="20160830110146"/>
+  <p:tag name="MH_LIBRARY" val="CONTENTS"/>
+  <p:tag name="MH_TYPE" val="ENTRY"/>
+  <p:tag name="ID" val="553512"/>
+  <p:tag name="MH_ORDER" val="1"/>
 </p:tagLst>
 </file>
 
 <file path=ppt/tags/tag9.xml><?xml version="1.0" encoding="utf-8"?>
-<p:tagLst xmlns:a="http://schemas.openxmlformats.org/drawingml/2006/main" xmlns:r="http://schemas.openxmlformats.org/officeDocument/2006/relationships" xmlns:p="http://schemas.openxmlformats.org/presentationml/2006/main">
+<p:tagLst xmlns:p="http://schemas.openxmlformats.org/presentationml/2006/main">
   <p:tag name="PA" val="v3.1.0"/>
 </p:tagLst>
 </file>
@@ -18247,7 +17258,7 @@
     </a:clrScheme>
     <a:fontScheme name="Office">
       <a:majorFont>
-        <a:latin typeface="等线 Light" panose="020F0302020204030204"/>
+        <a:latin typeface="等线 Light"/>
         <a:ea typeface=""/>
         <a:cs typeface=""/>
         <a:font script="Jpan" typeface="游ゴシック Light"/>
@@ -18280,26 +17291,9 @@
         <a:font script="Viet" typeface="Times New Roman"/>
         <a:font script="Uigh" typeface="Microsoft Uighur"/>
         <a:font script="Geor" typeface="Sylfaen"/>
-        <a:font script="Armn" typeface="Arial"/>
-        <a:font script="Bugi" typeface="Leelawadee UI"/>
-        <a:font script="Bopo" typeface="Microsoft JhengHei"/>
-        <a:font script="Java" typeface="Javanese Text"/>
-        <a:font script="Lisu" typeface="Segoe UI"/>
-        <a:font script="Mymr" typeface="Myanmar Text"/>
-        <a:font script="Nkoo" typeface="Ebrima"/>
-        <a:font script="Olck" typeface="Nirmala UI"/>
-        <a:font script="Osma" typeface="Ebrima"/>
-        <a:font script="Phag" typeface="Phagspa"/>
-        <a:font script="Syrn" typeface="Estrangelo Edessa"/>
-        <a:font script="Syrj" typeface="Estrangelo Edessa"/>
-        <a:font script="Syre" typeface="Estrangelo Edessa"/>
-        <a:font script="Sora" typeface="Nirmala UI"/>
-        <a:font script="Tale" typeface="Microsoft Tai Le"/>
-        <a:font script="Talu" typeface="Microsoft New Tai Lue"/>
-        <a:font script="Tfng" typeface="Ebrima"/>
       </a:majorFont>
       <a:minorFont>
-        <a:latin typeface="等线" panose="020F0502020204030204"/>
+        <a:latin typeface="等线"/>
         <a:ea typeface=""/>
         <a:cs typeface=""/>
         <a:font script="Jpan" typeface="游ゴシック"/>
@@ -18332,23 +17326,6 @@
         <a:font script="Viet" typeface="Arial"/>
         <a:font script="Uigh" typeface="Microsoft Uighur"/>
         <a:font script="Geor" typeface="Sylfaen"/>
-        <a:font script="Armn" typeface="Arial"/>
-        <a:font script="Bugi" typeface="Leelawadee UI"/>
-        <a:font script="Bopo" typeface="Microsoft JhengHei"/>
-        <a:font script="Java" typeface="Javanese Text"/>
-        <a:font script="Lisu" typeface="Segoe UI"/>
-        <a:font script="Mymr" typeface="Myanmar Text"/>
-        <a:font script="Nkoo" typeface="Ebrima"/>
-        <a:font script="Olck" typeface="Nirmala UI"/>
-        <a:font script="Osma" typeface="Ebrima"/>
-        <a:font script="Phag" typeface="Phagspa"/>
-        <a:font script="Syrn" typeface="Estrangelo Edessa"/>
-        <a:font script="Syrj" typeface="Estrangelo Edessa"/>
-        <a:font script="Syre" typeface="Estrangelo Edessa"/>
-        <a:font script="Sora" typeface="Nirmala UI"/>
-        <a:font script="Tale" typeface="Microsoft Tai Le"/>
-        <a:font script="Talu" typeface="Microsoft New Tai Lue"/>
-        <a:font script="Tfng" typeface="Ebrima"/>
       </a:minorFont>
     </a:fontScheme>
     <a:fmtScheme name="Office">
@@ -18489,8 +17466,6 @@
       </a:bgFillStyleLst>
     </a:fmtScheme>
   </a:themeElements>
-  <a:objectDefaults/>
-  <a:extraClrSchemeLst/>
   <a:extLst>
     <a:ext uri="{05A4C25C-085E-4340-85A3-A5531E510DB2}">
       <thm15:themeFamily xmlns:thm15="http://schemas.microsoft.com/office/thememl/2012/main" name="Office Theme" id="{62F939B6-93AF-4DB8-9C6B-D6C7DFDC589F}" vid="{4A3C46E8-61CC-4603-A589-7422A47A8E4A}"/>
@@ -18542,7 +17517,7 @@
     </a:clrScheme>
     <a:fontScheme name="Office">
       <a:majorFont>
-        <a:latin typeface="等线 Light" panose="020F0302020204030204"/>
+        <a:latin typeface="等线 Light"/>
         <a:ea typeface=""/>
         <a:cs typeface=""/>
         <a:font script="Jpan" typeface="游ゴシック Light"/>
@@ -18575,26 +17550,9 @@
         <a:font script="Viet" typeface="Times New Roman"/>
         <a:font script="Uigh" typeface="Microsoft Uighur"/>
         <a:font script="Geor" typeface="Sylfaen"/>
-        <a:font script="Armn" typeface="Arial"/>
-        <a:font script="Bugi" typeface="Leelawadee UI"/>
-        <a:font script="Bopo" typeface="Microsoft JhengHei"/>
-        <a:font script="Java" typeface="Javanese Text"/>
-        <a:font script="Lisu" typeface="Segoe UI"/>
-        <a:font script="Mymr" typeface="Myanmar Text"/>
-        <a:font script="Nkoo" typeface="Ebrima"/>
-        <a:font script="Olck" typeface="Nirmala UI"/>
-        <a:font script="Osma" typeface="Ebrima"/>
-        <a:font script="Phag" typeface="Phagspa"/>
-        <a:font script="Syrn" typeface="Estrangelo Edessa"/>
-        <a:font script="Syrj" typeface="Estrangelo Edessa"/>
-        <a:font script="Syre" typeface="Estrangelo Edessa"/>
-        <a:font script="Sora" typeface="Nirmala UI"/>
-        <a:font script="Tale" typeface="Microsoft Tai Le"/>
-        <a:font script="Talu" typeface="Microsoft New Tai Lue"/>
-        <a:font script="Tfng" typeface="Ebrima"/>
       </a:majorFont>
       <a:minorFont>
-        <a:latin typeface="等线" panose="020F0502020204030204"/>
+        <a:latin typeface="等线"/>
         <a:ea typeface=""/>
         <a:cs typeface=""/>
         <a:font script="Jpan" typeface="游ゴシック"/>
@@ -18627,23 +17585,6 @@
         <a:font script="Viet" typeface="Arial"/>
         <a:font script="Uigh" typeface="Microsoft Uighur"/>
         <a:font script="Geor" typeface="Sylfaen"/>
-        <a:font script="Armn" typeface="Arial"/>
-        <a:font script="Bugi" typeface="Leelawadee UI"/>
-        <a:font script="Bopo" typeface="Microsoft JhengHei"/>
-        <a:font script="Java" typeface="Javanese Text"/>
-        <a:font script="Lisu" typeface="Segoe UI"/>
-        <a:font script="Mymr" typeface="Myanmar Text"/>
-        <a:font script="Nkoo" typeface="Ebrima"/>
-        <a:font script="Olck" typeface="Nirmala UI"/>
-        <a:font script="Osma" typeface="Ebrima"/>
-        <a:font script="Phag" typeface="Phagspa"/>
-        <a:font script="Syrn" typeface="Estrangelo Edessa"/>
-        <a:font script="Syrj" typeface="Estrangelo Edessa"/>
-        <a:font script="Syre" typeface="Estrangelo Edessa"/>
-        <a:font script="Sora" typeface="Nirmala UI"/>
-        <a:font script="Tale" typeface="Microsoft Tai Le"/>
-        <a:font script="Talu" typeface="Microsoft New Tai Lue"/>
-        <a:font script="Tfng" typeface="Ebrima"/>
       </a:minorFont>
     </a:fontScheme>
     <a:fmtScheme name="Office">
@@ -18784,8 +17725,6 @@
       </a:bgFillStyleLst>
     </a:fmtScheme>
   </a:themeElements>
-  <a:objectDefaults/>
-  <a:extraClrSchemeLst/>
   <a:extLst>
     <a:ext uri="{05A4C25C-085E-4340-85A3-A5531E510DB2}">
       <thm15:themeFamily xmlns:thm15="http://schemas.microsoft.com/office/thememl/2012/main" name="Office Theme" id="{62F939B6-93AF-4DB8-9C6B-D6C7DFDC589F}" vid="{4A3C46E8-61CC-4603-A589-7422A47A8E4A}"/>
